--- a/docs/Dear Diary - Milestone I Presentation.pptx
+++ b/docs/Dear Diary - Milestone I Presentation.pptx
@@ -8,6 +8,10 @@
     <p:sldId id="256" r:id="rId2"/>
     <p:sldId id="257" r:id="rId3"/>
     <p:sldId id="258" r:id="rId4"/>
+    <p:sldId id="263" r:id="rId5"/>
+    <p:sldId id="261" r:id="rId6"/>
+    <p:sldId id="265" r:id="rId7"/>
+    <p:sldId id="264" r:id="rId8"/>
   </p:sldIdLst>
   <p:sldSz cx="12192000" cy="6858000"/>
   <p:notesSz cx="6858000" cy="9144000"/>
@@ -106,6 +110,11 @@
       </a:defRPr>
     </a:lvl9pPr>
   </p:defaultTextStyle>
+  <p:extLst>
+    <p:ext uri="{EFAFB233-063F-42B5-8137-9DF3F51BA10A}">
+      <p15:sldGuideLst xmlns:p15="http://schemas.microsoft.com/office/powerpoint/2012/main"/>
+    </p:ext>
+  </p:extLst>
 </p:presentation>
 </file>
 
@@ -670,7 +679,7 @@
           <a:p>
             <a:fld id="{43360104-F800-4E31-B753-9F884E127649}" type="datetimeFigureOut">
               <a:rPr lang="de-AT" smtClean="0"/>
-              <a:t>27.08.2022</a:t>
+              <a:t>02.09.2022</a:t>
             </a:fld>
             <a:endParaRPr lang="de-AT"/>
           </a:p>
@@ -1268,7 +1277,7 @@
           <a:p>
             <a:fld id="{43360104-F800-4E31-B753-9F884E127649}" type="datetimeFigureOut">
               <a:rPr lang="de-AT" smtClean="0"/>
-              <a:t>27.08.2022</a:t>
+              <a:t>02.09.2022</a:t>
             </a:fld>
             <a:endParaRPr lang="de-AT"/>
           </a:p>
@@ -1529,7 +1538,7 @@
           <a:p>
             <a:fld id="{43360104-F800-4E31-B753-9F884E127649}" type="datetimeFigureOut">
               <a:rPr lang="de-AT" smtClean="0"/>
-              <a:t>27.08.2022</a:t>
+              <a:t>02.09.2022</a:t>
             </a:fld>
             <a:endParaRPr lang="de-AT"/>
           </a:p>
@@ -1743,7 +1752,7 @@
           <a:p>
             <a:fld id="{43360104-F800-4E31-B753-9F884E127649}" type="datetimeFigureOut">
               <a:rPr lang="de-AT" smtClean="0"/>
-              <a:t>27.08.2022</a:t>
+              <a:t>02.09.2022</a:t>
             </a:fld>
             <a:endParaRPr lang="de-AT"/>
           </a:p>
@@ -1888,7 +1897,7 @@
           <a:p>
             <a:fld id="{43360104-F800-4E31-B753-9F884E127649}" type="datetimeFigureOut">
               <a:rPr lang="de-AT" smtClean="0"/>
-              <a:t>27.08.2022</a:t>
+              <a:t>02.09.2022</a:t>
             </a:fld>
             <a:endParaRPr lang="de-AT"/>
           </a:p>
@@ -2261,7 +2270,7 @@
           <a:p>
             <a:fld id="{43360104-F800-4E31-B753-9F884E127649}" type="datetimeFigureOut">
               <a:rPr lang="de-AT" smtClean="0"/>
-              <a:t>27.08.2022</a:t>
+              <a:t>02.09.2022</a:t>
             </a:fld>
             <a:endParaRPr lang="de-AT"/>
           </a:p>
@@ -2586,7 +2595,7 @@
           <a:p>
             <a:fld id="{43360104-F800-4E31-B753-9F884E127649}" type="datetimeFigureOut">
               <a:rPr lang="de-AT" smtClean="0"/>
-              <a:t>27.08.2022</a:t>
+              <a:t>02.09.2022</a:t>
             </a:fld>
             <a:endParaRPr lang="de-AT"/>
           </a:p>
@@ -2836,7 +2845,7 @@
           <a:p>
             <a:fld id="{43360104-F800-4E31-B753-9F884E127649}" type="datetimeFigureOut">
               <a:rPr lang="de-AT" smtClean="0"/>
-              <a:t>27.08.2022</a:t>
+              <a:t>02.09.2022</a:t>
             </a:fld>
             <a:endParaRPr lang="de-AT"/>
           </a:p>
@@ -3382,7 +3391,7 @@
           <a:p>
             <a:fld id="{43360104-F800-4E31-B753-9F884E127649}" type="datetimeFigureOut">
               <a:rPr lang="de-AT" smtClean="0"/>
-              <a:t>27.08.2022</a:t>
+              <a:t>02.09.2022</a:t>
             </a:fld>
             <a:endParaRPr lang="de-AT"/>
           </a:p>
@@ -3832,7 +3841,7 @@
           <a:p>
             <a:fld id="{43360104-F800-4E31-B753-9F884E127649}" type="datetimeFigureOut">
               <a:rPr lang="de-AT" smtClean="0"/>
-              <a:t>27.08.2022</a:t>
+              <a:t>02.09.2022</a:t>
             </a:fld>
             <a:endParaRPr lang="de-AT"/>
           </a:p>
@@ -4006,7 +4015,7 @@
           <a:p>
             <a:fld id="{43360104-F800-4E31-B753-9F884E127649}" type="datetimeFigureOut">
               <a:rPr lang="de-AT" smtClean="0"/>
-              <a:t>27.08.2022</a:t>
+              <a:t>02.09.2022</a:t>
             </a:fld>
             <a:endParaRPr lang="de-AT"/>
           </a:p>
@@ -4487,7 +4496,7 @@
           <a:p>
             <a:fld id="{43360104-F800-4E31-B753-9F884E127649}" type="datetimeFigureOut">
               <a:rPr lang="de-AT" smtClean="0"/>
-              <a:t>27.08.2022</a:t>
+              <a:t>02.09.2022</a:t>
             </a:fld>
             <a:endParaRPr lang="de-AT"/>
           </a:p>
@@ -4791,7 +4800,7 @@
           <a:p>
             <a:fld id="{43360104-F800-4E31-B753-9F884E127649}" type="datetimeFigureOut">
               <a:rPr lang="de-AT" smtClean="0"/>
-              <a:t>27.08.2022</a:t>
+              <a:t>02.09.2022</a:t>
             </a:fld>
             <a:endParaRPr lang="de-AT"/>
           </a:p>
@@ -5272,7 +5281,7 @@
           <a:p>
             <a:fld id="{43360104-F800-4E31-B753-9F884E127649}" type="datetimeFigureOut">
               <a:rPr lang="de-AT" smtClean="0"/>
-              <a:t>27.08.2022</a:t>
+              <a:t>02.09.2022</a:t>
             </a:fld>
             <a:endParaRPr lang="de-AT"/>
           </a:p>
@@ -5527,7 +5536,7 @@
           <a:p>
             <a:fld id="{43360104-F800-4E31-B753-9F884E127649}" type="datetimeFigureOut">
               <a:rPr lang="de-AT" smtClean="0"/>
-              <a:t>27.08.2022</a:t>
+              <a:t>02.09.2022</a:t>
             </a:fld>
             <a:endParaRPr lang="de-AT"/>
           </a:p>
@@ -6102,7 +6111,17 @@
             </a:pPr>
             <a:r>
               <a:rPr lang="en-US" dirty="0"/>
-              <a:t>Next Tasks</a:t>
+              <a:t>File Structure</a:t>
+            </a:r>
+          </a:p>
+          <a:p>
+            <a:pPr marL="457200" indent="-457200">
+              <a:buFont typeface="Arial" panose="020B0604020202020204" pitchFamily="34" charset="0"/>
+              <a:buChar char="•"/>
+            </a:pPr>
+            <a:r>
+              <a:rPr lang="en-US" dirty="0"/>
+              <a:t>To-dos</a:t>
             </a:r>
           </a:p>
           <a:p>
@@ -6179,12 +6198,8 @@
           <a:lstStyle/>
           <a:p>
             <a:r>
-              <a:rPr lang="de-AT" dirty="0" err="1"/>
-              <a:t>Finished</a:t>
-            </a:r>
-            <a:r>
-              <a:rPr lang="de-AT" dirty="0"/>
-              <a:t> Tasks</a:t>
+              <a:rPr lang="en-US" dirty="0"/>
+              <a:t>Finished Tasks</a:t>
             </a:r>
           </a:p>
         </p:txBody>
@@ -6208,7 +6223,7 @@
         <p:spPr/>
         <p:txBody>
           <a:bodyPr>
-            <a:normAutofit fontScale="77500" lnSpcReduction="20000"/>
+            <a:normAutofit fontScale="85000" lnSpcReduction="20000"/>
           </a:bodyPr>
           <a:lstStyle/>
           <a:p>
@@ -6221,13 +6236,8 @@
             <a:pPr lvl="1"/>
             <a:r>
               <a:rPr lang="en-US" dirty="0"/>
-              <a:t>Switching between login </a:t>
-            </a:r>
-            <a:r>
-              <a:rPr lang="en-US"/>
-              <a:t>and register</a:t>
-            </a:r>
-            <a:endParaRPr lang="en-US" dirty="0"/>
+              <a:t>Switching between login and register</a:t>
+            </a:r>
           </a:p>
           <a:p>
             <a:pPr lvl="1"/>
@@ -6244,10 +6254,6 @@
             </a:r>
           </a:p>
           <a:p>
-            <a:pPr lvl="1"/>
-            <a:endParaRPr lang="en-US" dirty="0"/>
-          </a:p>
-          <a:p>
             <a:r>
               <a:rPr lang="en-US" dirty="0"/>
               <a:t>Dashboard</a:t>
@@ -6291,10 +6297,10 @@
       </p:sp>
       <p:sp>
         <p:nvSpPr>
-          <p:cNvPr id="4" name="Inhaltsplatzhalter 3">
-            <a:extLst>
-              <a:ext uri="{FF2B5EF4-FFF2-40B4-BE49-F238E27FC236}">
-                <a16:creationId xmlns:a16="http://schemas.microsoft.com/office/drawing/2014/main" id="{EE7E2401-CE1A-03ED-49F1-EBB1274DFD1D}"/>
+          <p:cNvPr id="8" name="Inhaltsplatzhalter 7">
+            <a:extLst>
+              <a:ext uri="{FF2B5EF4-FFF2-40B4-BE49-F238E27FC236}">
+                <a16:creationId xmlns:a16="http://schemas.microsoft.com/office/drawing/2014/main" id="{B2D35CD0-F9C9-9286-72DD-8C47BA55E387}"/>
               </a:ext>
             </a:extLst>
           </p:cNvPr>
@@ -6307,12 +6313,10 @@
         </p:nvSpPr>
         <p:spPr/>
         <p:txBody>
-          <a:bodyPr>
-            <a:normAutofit fontScale="77500" lnSpcReduction="20000"/>
-          </a:bodyPr>
+          <a:bodyPr/>
           <a:lstStyle/>
           <a:p>
-            <a:endParaRPr lang="de-AT"/>
+            <a:endParaRPr lang="en-US"/>
           </a:p>
         </p:txBody>
       </p:sp>
@@ -6320,6 +6324,1180 @@
     <p:extLst>
       <p:ext uri="{BB962C8B-B14F-4D97-AF65-F5344CB8AC3E}">
         <p14:creationId xmlns:p14="http://schemas.microsoft.com/office/powerpoint/2010/main" val="670226682"/>
+      </p:ext>
+    </p:extLst>
+  </p:cSld>
+  <p:clrMapOvr>
+    <a:masterClrMapping/>
+  </p:clrMapOvr>
+  <p:timing>
+    <p:tnLst>
+      <p:par>
+        <p:cTn id="1" dur="indefinite" restart="never" nodeType="tmRoot">
+          <p:childTnLst>
+            <p:seq concurrent="1" nextAc="seek">
+              <p:cTn id="2" dur="indefinite" nodeType="mainSeq">
+                <p:childTnLst>
+                  <p:par>
+                    <p:cTn id="3" fill="hold">
+                      <p:stCondLst>
+                        <p:cond delay="indefinite"/>
+                      </p:stCondLst>
+                      <p:childTnLst>
+                        <p:par>
+                          <p:cTn id="4" fill="hold">
+                            <p:stCondLst>
+                              <p:cond delay="0"/>
+                            </p:stCondLst>
+                            <p:childTnLst>
+                              <p:par>
+                                <p:cTn id="5" presetID="1" presetClass="entr" presetSubtype="0" fill="hold" nodeType="clickEffect">
+                                  <p:stCondLst>
+                                    <p:cond delay="0"/>
+                                  </p:stCondLst>
+                                  <p:childTnLst>
+                                    <p:set>
+                                      <p:cBhvr>
+                                        <p:cTn id="6" dur="1" fill="hold">
+                                          <p:stCondLst>
+                                            <p:cond delay="0"/>
+                                          </p:stCondLst>
+                                        </p:cTn>
+                                        <p:tgtEl>
+                                          <p:spTgt spid="3">
+                                            <p:txEl>
+                                              <p:pRg st="1" end="1"/>
+                                            </p:txEl>
+                                          </p:spTgt>
+                                        </p:tgtEl>
+                                        <p:attrNameLst>
+                                          <p:attrName>style.visibility</p:attrName>
+                                        </p:attrNameLst>
+                                      </p:cBhvr>
+                                      <p:to>
+                                        <p:strVal val="visible"/>
+                                      </p:to>
+                                    </p:set>
+                                  </p:childTnLst>
+                                </p:cTn>
+                              </p:par>
+                            </p:childTnLst>
+                          </p:cTn>
+                        </p:par>
+                      </p:childTnLst>
+                    </p:cTn>
+                  </p:par>
+                  <p:par>
+                    <p:cTn id="7" fill="hold">
+                      <p:stCondLst>
+                        <p:cond delay="indefinite"/>
+                      </p:stCondLst>
+                      <p:childTnLst>
+                        <p:par>
+                          <p:cTn id="8" fill="hold">
+                            <p:stCondLst>
+                              <p:cond delay="0"/>
+                            </p:stCondLst>
+                            <p:childTnLst>
+                              <p:par>
+                                <p:cTn id="9" presetID="1" presetClass="entr" presetSubtype="0" fill="hold" nodeType="clickEffect">
+                                  <p:stCondLst>
+                                    <p:cond delay="0"/>
+                                  </p:stCondLst>
+                                  <p:childTnLst>
+                                    <p:set>
+                                      <p:cBhvr>
+                                        <p:cTn id="10" dur="1" fill="hold">
+                                          <p:stCondLst>
+                                            <p:cond delay="0"/>
+                                          </p:stCondLst>
+                                        </p:cTn>
+                                        <p:tgtEl>
+                                          <p:spTgt spid="3">
+                                            <p:txEl>
+                                              <p:pRg st="2" end="2"/>
+                                            </p:txEl>
+                                          </p:spTgt>
+                                        </p:tgtEl>
+                                        <p:attrNameLst>
+                                          <p:attrName>style.visibility</p:attrName>
+                                        </p:attrNameLst>
+                                      </p:cBhvr>
+                                      <p:to>
+                                        <p:strVal val="visible"/>
+                                      </p:to>
+                                    </p:set>
+                                  </p:childTnLst>
+                                </p:cTn>
+                              </p:par>
+                            </p:childTnLst>
+                          </p:cTn>
+                        </p:par>
+                      </p:childTnLst>
+                    </p:cTn>
+                  </p:par>
+                  <p:par>
+                    <p:cTn id="11" fill="hold">
+                      <p:stCondLst>
+                        <p:cond delay="indefinite"/>
+                      </p:stCondLst>
+                      <p:childTnLst>
+                        <p:par>
+                          <p:cTn id="12" fill="hold">
+                            <p:stCondLst>
+                              <p:cond delay="0"/>
+                            </p:stCondLst>
+                            <p:childTnLst>
+                              <p:par>
+                                <p:cTn id="13" presetID="1" presetClass="entr" presetSubtype="0" fill="hold" nodeType="clickEffect">
+                                  <p:stCondLst>
+                                    <p:cond delay="0"/>
+                                  </p:stCondLst>
+                                  <p:childTnLst>
+                                    <p:set>
+                                      <p:cBhvr>
+                                        <p:cTn id="14" dur="1" fill="hold">
+                                          <p:stCondLst>
+                                            <p:cond delay="0"/>
+                                          </p:stCondLst>
+                                        </p:cTn>
+                                        <p:tgtEl>
+                                          <p:spTgt spid="3">
+                                            <p:txEl>
+                                              <p:pRg st="3" end="3"/>
+                                            </p:txEl>
+                                          </p:spTgt>
+                                        </p:tgtEl>
+                                        <p:attrNameLst>
+                                          <p:attrName>style.visibility</p:attrName>
+                                        </p:attrNameLst>
+                                      </p:cBhvr>
+                                      <p:to>
+                                        <p:strVal val="visible"/>
+                                      </p:to>
+                                    </p:set>
+                                  </p:childTnLst>
+                                </p:cTn>
+                              </p:par>
+                            </p:childTnLst>
+                          </p:cTn>
+                        </p:par>
+                      </p:childTnLst>
+                    </p:cTn>
+                  </p:par>
+                  <p:par>
+                    <p:cTn id="15" fill="hold">
+                      <p:stCondLst>
+                        <p:cond delay="indefinite"/>
+                      </p:stCondLst>
+                      <p:childTnLst>
+                        <p:par>
+                          <p:cTn id="16" fill="hold">
+                            <p:stCondLst>
+                              <p:cond delay="0"/>
+                            </p:stCondLst>
+                            <p:childTnLst>
+                              <p:par>
+                                <p:cTn id="17" presetID="1" presetClass="entr" presetSubtype="0" fill="hold" nodeType="clickEffect">
+                                  <p:stCondLst>
+                                    <p:cond delay="0"/>
+                                  </p:stCondLst>
+                                  <p:childTnLst>
+                                    <p:set>
+                                      <p:cBhvr>
+                                        <p:cTn id="18" dur="1" fill="hold">
+                                          <p:stCondLst>
+                                            <p:cond delay="0"/>
+                                          </p:stCondLst>
+                                        </p:cTn>
+                                        <p:tgtEl>
+                                          <p:spTgt spid="3">
+                                            <p:txEl>
+                                              <p:pRg st="4" end="4"/>
+                                            </p:txEl>
+                                          </p:spTgt>
+                                        </p:tgtEl>
+                                        <p:attrNameLst>
+                                          <p:attrName>style.visibility</p:attrName>
+                                        </p:attrNameLst>
+                                      </p:cBhvr>
+                                      <p:to>
+                                        <p:strVal val="visible"/>
+                                      </p:to>
+                                    </p:set>
+                                  </p:childTnLst>
+                                </p:cTn>
+                              </p:par>
+                              <p:par>
+                                <p:cTn id="19" presetID="1" presetClass="entr" presetSubtype="0" fill="hold" nodeType="withEffect">
+                                  <p:stCondLst>
+                                    <p:cond delay="0"/>
+                                  </p:stCondLst>
+                                  <p:childTnLst>
+                                    <p:set>
+                                      <p:cBhvr>
+                                        <p:cTn id="20" dur="1" fill="hold">
+                                          <p:stCondLst>
+                                            <p:cond delay="0"/>
+                                          </p:stCondLst>
+                                        </p:cTn>
+                                        <p:tgtEl>
+                                          <p:spTgt spid="3">
+                                            <p:txEl>
+                                              <p:pRg st="5" end="5"/>
+                                            </p:txEl>
+                                          </p:spTgt>
+                                        </p:tgtEl>
+                                        <p:attrNameLst>
+                                          <p:attrName>style.visibility</p:attrName>
+                                        </p:attrNameLst>
+                                      </p:cBhvr>
+                                      <p:to>
+                                        <p:strVal val="visible"/>
+                                      </p:to>
+                                    </p:set>
+                                  </p:childTnLst>
+                                </p:cTn>
+                              </p:par>
+                            </p:childTnLst>
+                          </p:cTn>
+                        </p:par>
+                      </p:childTnLst>
+                    </p:cTn>
+                  </p:par>
+                  <p:par>
+                    <p:cTn id="21" fill="hold">
+                      <p:stCondLst>
+                        <p:cond delay="indefinite"/>
+                      </p:stCondLst>
+                      <p:childTnLst>
+                        <p:par>
+                          <p:cTn id="22" fill="hold">
+                            <p:stCondLst>
+                              <p:cond delay="0"/>
+                            </p:stCondLst>
+                            <p:childTnLst>
+                              <p:par>
+                                <p:cTn id="23" presetID="1" presetClass="entr" presetSubtype="0" fill="hold" nodeType="clickEffect">
+                                  <p:stCondLst>
+                                    <p:cond delay="0"/>
+                                  </p:stCondLst>
+                                  <p:childTnLst>
+                                    <p:set>
+                                      <p:cBhvr>
+                                        <p:cTn id="24" dur="1" fill="hold">
+                                          <p:stCondLst>
+                                            <p:cond delay="0"/>
+                                          </p:stCondLst>
+                                        </p:cTn>
+                                        <p:tgtEl>
+                                          <p:spTgt spid="3">
+                                            <p:txEl>
+                                              <p:pRg st="6" end="6"/>
+                                            </p:txEl>
+                                          </p:spTgt>
+                                        </p:tgtEl>
+                                        <p:attrNameLst>
+                                          <p:attrName>style.visibility</p:attrName>
+                                        </p:attrNameLst>
+                                      </p:cBhvr>
+                                      <p:to>
+                                        <p:strVal val="visible"/>
+                                      </p:to>
+                                    </p:set>
+                                  </p:childTnLst>
+                                </p:cTn>
+                              </p:par>
+                            </p:childTnLst>
+                          </p:cTn>
+                        </p:par>
+                      </p:childTnLst>
+                    </p:cTn>
+                  </p:par>
+                  <p:par>
+                    <p:cTn id="25" fill="hold">
+                      <p:stCondLst>
+                        <p:cond delay="indefinite"/>
+                      </p:stCondLst>
+                      <p:childTnLst>
+                        <p:par>
+                          <p:cTn id="26" fill="hold">
+                            <p:stCondLst>
+                              <p:cond delay="0"/>
+                            </p:stCondLst>
+                            <p:childTnLst>
+                              <p:par>
+                                <p:cTn id="27" presetID="1" presetClass="entr" presetSubtype="0" fill="hold" nodeType="clickEffect">
+                                  <p:stCondLst>
+                                    <p:cond delay="0"/>
+                                  </p:stCondLst>
+                                  <p:childTnLst>
+                                    <p:set>
+                                      <p:cBhvr>
+                                        <p:cTn id="28" dur="1" fill="hold">
+                                          <p:stCondLst>
+                                            <p:cond delay="0"/>
+                                          </p:stCondLst>
+                                        </p:cTn>
+                                        <p:tgtEl>
+                                          <p:spTgt spid="3">
+                                            <p:txEl>
+                                              <p:pRg st="7" end="7"/>
+                                            </p:txEl>
+                                          </p:spTgt>
+                                        </p:tgtEl>
+                                        <p:attrNameLst>
+                                          <p:attrName>style.visibility</p:attrName>
+                                        </p:attrNameLst>
+                                      </p:cBhvr>
+                                      <p:to>
+                                        <p:strVal val="visible"/>
+                                      </p:to>
+                                    </p:set>
+                                  </p:childTnLst>
+                                </p:cTn>
+                              </p:par>
+                            </p:childTnLst>
+                          </p:cTn>
+                        </p:par>
+                      </p:childTnLst>
+                    </p:cTn>
+                  </p:par>
+                  <p:par>
+                    <p:cTn id="29" fill="hold">
+                      <p:stCondLst>
+                        <p:cond delay="indefinite"/>
+                      </p:stCondLst>
+                      <p:childTnLst>
+                        <p:par>
+                          <p:cTn id="30" fill="hold">
+                            <p:stCondLst>
+                              <p:cond delay="0"/>
+                            </p:stCondLst>
+                            <p:childTnLst>
+                              <p:par>
+                                <p:cTn id="31" presetID="1" presetClass="entr" presetSubtype="0" fill="hold" nodeType="clickEffect">
+                                  <p:stCondLst>
+                                    <p:cond delay="0"/>
+                                  </p:stCondLst>
+                                  <p:childTnLst>
+                                    <p:set>
+                                      <p:cBhvr>
+                                        <p:cTn id="32" dur="1" fill="hold">
+                                          <p:stCondLst>
+                                            <p:cond delay="0"/>
+                                          </p:stCondLst>
+                                        </p:cTn>
+                                        <p:tgtEl>
+                                          <p:spTgt spid="3">
+                                            <p:txEl>
+                                              <p:pRg st="8" end="8"/>
+                                            </p:txEl>
+                                          </p:spTgt>
+                                        </p:tgtEl>
+                                        <p:attrNameLst>
+                                          <p:attrName>style.visibility</p:attrName>
+                                        </p:attrNameLst>
+                                      </p:cBhvr>
+                                      <p:to>
+                                        <p:strVal val="visible"/>
+                                      </p:to>
+                                    </p:set>
+                                  </p:childTnLst>
+                                </p:cTn>
+                              </p:par>
+                            </p:childTnLst>
+                          </p:cTn>
+                        </p:par>
+                      </p:childTnLst>
+                    </p:cTn>
+                  </p:par>
+                  <p:par>
+                    <p:cTn id="33" fill="hold">
+                      <p:stCondLst>
+                        <p:cond delay="indefinite"/>
+                      </p:stCondLst>
+                      <p:childTnLst>
+                        <p:par>
+                          <p:cTn id="34" fill="hold">
+                            <p:stCondLst>
+                              <p:cond delay="0"/>
+                            </p:stCondLst>
+                            <p:childTnLst>
+                              <p:par>
+                                <p:cTn id="35" presetID="1" presetClass="entr" presetSubtype="0" fill="hold" nodeType="clickEffect">
+                                  <p:stCondLst>
+                                    <p:cond delay="0"/>
+                                  </p:stCondLst>
+                                  <p:childTnLst>
+                                    <p:set>
+                                      <p:cBhvr>
+                                        <p:cTn id="36" dur="1" fill="hold">
+                                          <p:stCondLst>
+                                            <p:cond delay="0"/>
+                                          </p:stCondLst>
+                                        </p:cTn>
+                                        <p:tgtEl>
+                                          <p:spTgt spid="3">
+                                            <p:txEl>
+                                              <p:pRg st="9" end="9"/>
+                                            </p:txEl>
+                                          </p:spTgt>
+                                        </p:tgtEl>
+                                        <p:attrNameLst>
+                                          <p:attrName>style.visibility</p:attrName>
+                                        </p:attrNameLst>
+                                      </p:cBhvr>
+                                      <p:to>
+                                        <p:strVal val="visible"/>
+                                      </p:to>
+                                    </p:set>
+                                  </p:childTnLst>
+                                </p:cTn>
+                              </p:par>
+                            </p:childTnLst>
+                          </p:cTn>
+                        </p:par>
+                      </p:childTnLst>
+                    </p:cTn>
+                  </p:par>
+                </p:childTnLst>
+              </p:cTn>
+              <p:prevCondLst>
+                <p:cond evt="onPrev" delay="0">
+                  <p:tgtEl>
+                    <p:sldTgt/>
+                  </p:tgtEl>
+                </p:cond>
+              </p:prevCondLst>
+              <p:nextCondLst>
+                <p:cond evt="onNext" delay="0">
+                  <p:tgtEl>
+                    <p:sldTgt/>
+                  </p:tgtEl>
+                </p:cond>
+              </p:nextCondLst>
+            </p:seq>
+          </p:childTnLst>
+        </p:cTn>
+      </p:par>
+    </p:tnLst>
+  </p:timing>
+</p:sld>
+</file>
+
+<file path=ppt/slides/slide4.xml><?xml version="1.0" encoding="utf-8"?>
+<p:sld xmlns:a="http://schemas.openxmlformats.org/drawingml/2006/main" xmlns:r="http://schemas.openxmlformats.org/officeDocument/2006/relationships" xmlns:p="http://schemas.openxmlformats.org/presentationml/2006/main">
+  <p:cSld>
+    <p:bg>
+      <p:bgPr>
+        <a:blipFill dpi="0" rotWithShape="1">
+          <a:blip r:embed="rId2">
+            <a:lum/>
+          </a:blip>
+          <a:srcRect/>
+          <a:stretch>
+            <a:fillRect/>
+          </a:stretch>
+        </a:blipFill>
+        <a:effectLst/>
+      </p:bgPr>
+    </p:bg>
+    <p:spTree>
+      <p:nvGrpSpPr>
+        <p:cNvPr id="1" name=""/>
+        <p:cNvGrpSpPr/>
+        <p:nvPr/>
+      </p:nvGrpSpPr>
+      <p:grpSpPr>
+        <a:xfrm>
+          <a:off x="0" y="0"/>
+          <a:ext cx="0" cy="0"/>
+          <a:chOff x="0" y="0"/>
+          <a:chExt cx="0" cy="0"/>
+        </a:xfrm>
+      </p:grpSpPr>
+      <p:sp>
+        <p:nvSpPr>
+          <p:cNvPr id="2" name="Titel 1">
+            <a:extLst>
+              <a:ext uri="{FF2B5EF4-FFF2-40B4-BE49-F238E27FC236}">
+                <a16:creationId xmlns:a16="http://schemas.microsoft.com/office/drawing/2014/main" id="{BFA68880-004C-0266-6F1F-C13B2AFF3A1B}"/>
+              </a:ext>
+            </a:extLst>
+          </p:cNvPr>
+          <p:cNvSpPr>
+            <a:spLocks noGrp="1"/>
+          </p:cNvSpPr>
+          <p:nvPr>
+            <p:ph type="title"/>
+          </p:nvPr>
+        </p:nvSpPr>
+        <p:spPr/>
+        <p:txBody>
+          <a:bodyPr/>
+          <a:lstStyle/>
+          <a:p>
+            <a:r>
+              <a:rPr lang="en-US" dirty="0"/>
+              <a:t>File Structure</a:t>
+            </a:r>
+          </a:p>
+        </p:txBody>
+      </p:sp>
+      <p:pic>
+        <p:nvPicPr>
+          <p:cNvPr id="18" name="Inhaltsplatzhalter 17">
+            <a:extLst>
+              <a:ext uri="{FF2B5EF4-FFF2-40B4-BE49-F238E27FC236}">
+                <a16:creationId xmlns:a16="http://schemas.microsoft.com/office/drawing/2014/main" id="{2F6BF837-03FE-2C2A-4992-DF59C1092FAE}"/>
+              </a:ext>
+            </a:extLst>
+          </p:cNvPr>
+          <p:cNvPicPr>
+            <a:picLocks noGrp="1" noChangeAspect="1"/>
+          </p:cNvPicPr>
+          <p:nvPr>
+            <p:ph idx="1"/>
+          </p:nvPr>
+        </p:nvPicPr>
+        <p:blipFill rotWithShape="1">
+          <a:blip r:embed="rId3"/>
+          <a:srcRect r="12579"/>
+          <a:stretch/>
+        </p:blipFill>
+        <p:spPr>
+          <a:xfrm>
+            <a:off x="838199" y="1690688"/>
+            <a:ext cx="4847493" cy="4455736"/>
+          </a:xfrm>
+        </p:spPr>
+      </p:pic>
+      <p:pic>
+        <p:nvPicPr>
+          <p:cNvPr id="20" name="Grafik 19">
+            <a:extLst>
+              <a:ext uri="{FF2B5EF4-FFF2-40B4-BE49-F238E27FC236}">
+                <a16:creationId xmlns:a16="http://schemas.microsoft.com/office/drawing/2014/main" id="{A5048331-C4E2-C731-E25A-523CE1C0CFD1}"/>
+              </a:ext>
+            </a:extLst>
+          </p:cNvPr>
+          <p:cNvPicPr>
+            <a:picLocks noChangeAspect="1"/>
+          </p:cNvPicPr>
+          <p:nvPr/>
+        </p:nvPicPr>
+        <p:blipFill>
+          <a:blip r:embed="rId4"/>
+          <a:stretch>
+            <a:fillRect/>
+          </a:stretch>
+        </p:blipFill>
+        <p:spPr>
+          <a:xfrm>
+            <a:off x="5764801" y="2269582"/>
+            <a:ext cx="5588999" cy="3627476"/>
+          </a:xfrm>
+          <a:prstGeom prst="rect">
+            <a:avLst/>
+          </a:prstGeom>
+        </p:spPr>
+      </p:pic>
+      <p:cxnSp>
+        <p:nvCxnSpPr>
+          <p:cNvPr id="22" name="Gerader Verbinder 21">
+            <a:extLst>
+              <a:ext uri="{FF2B5EF4-FFF2-40B4-BE49-F238E27FC236}">
+                <a16:creationId xmlns:a16="http://schemas.microsoft.com/office/drawing/2014/main" id="{3CFE2DE9-ED77-1E06-4758-5A2FF319FEC1}"/>
+              </a:ext>
+            </a:extLst>
+          </p:cNvPr>
+          <p:cNvCxnSpPr>
+            <a:cxnSpLocks/>
+          </p:cNvCxnSpPr>
+          <p:nvPr/>
+        </p:nvCxnSpPr>
+        <p:spPr>
+          <a:xfrm>
+            <a:off x="5750165" y="1964267"/>
+            <a:ext cx="0" cy="4182157"/>
+          </a:xfrm>
+          <a:prstGeom prst="line">
+            <a:avLst/>
+          </a:prstGeom>
+          <a:ln w="19050">
+            <a:solidFill>
+              <a:schemeClr val="tx1">
+                <a:lumMod val="65000"/>
+                <a:lumOff val="35000"/>
+              </a:schemeClr>
+            </a:solidFill>
+          </a:ln>
+        </p:spPr>
+        <p:style>
+          <a:lnRef idx="1">
+            <a:schemeClr val="accent1"/>
+          </a:lnRef>
+          <a:fillRef idx="0">
+            <a:schemeClr val="accent1"/>
+          </a:fillRef>
+          <a:effectRef idx="0">
+            <a:schemeClr val="accent1"/>
+          </a:effectRef>
+          <a:fontRef idx="minor">
+            <a:schemeClr val="tx1"/>
+          </a:fontRef>
+        </p:style>
+      </p:cxnSp>
+    </p:spTree>
+    <p:extLst>
+      <p:ext uri="{BB962C8B-B14F-4D97-AF65-F5344CB8AC3E}">
+        <p14:creationId xmlns:p14="http://schemas.microsoft.com/office/powerpoint/2010/main" val="734356236"/>
+      </p:ext>
+    </p:extLst>
+  </p:cSld>
+  <p:clrMapOvr>
+    <a:masterClrMapping/>
+  </p:clrMapOvr>
+</p:sld>
+</file>
+
+<file path=ppt/slides/slide5.xml><?xml version="1.0" encoding="utf-8"?>
+<p:sld xmlns:a="http://schemas.openxmlformats.org/drawingml/2006/main" xmlns:r="http://schemas.openxmlformats.org/officeDocument/2006/relationships" xmlns:p="http://schemas.openxmlformats.org/presentationml/2006/main">
+  <p:cSld>
+    <p:spTree>
+      <p:nvGrpSpPr>
+        <p:cNvPr id="1" name=""/>
+        <p:cNvGrpSpPr/>
+        <p:nvPr/>
+      </p:nvGrpSpPr>
+      <p:grpSpPr>
+        <a:xfrm>
+          <a:off x="0" y="0"/>
+          <a:ext cx="0" cy="0"/>
+          <a:chOff x="0" y="0"/>
+          <a:chExt cx="0" cy="0"/>
+        </a:xfrm>
+      </p:grpSpPr>
+      <p:sp>
+        <p:nvSpPr>
+          <p:cNvPr id="4" name="Titel 1">
+            <a:extLst>
+              <a:ext uri="{FF2B5EF4-FFF2-40B4-BE49-F238E27FC236}">
+                <a16:creationId xmlns:a16="http://schemas.microsoft.com/office/drawing/2014/main" id="{7A748320-080A-AE34-2F5F-6837CB0CD42D}"/>
+              </a:ext>
+            </a:extLst>
+          </p:cNvPr>
+          <p:cNvSpPr>
+            <a:spLocks noGrp="1"/>
+          </p:cNvSpPr>
+          <p:nvPr>
+            <p:ph type="title"/>
+          </p:nvPr>
+        </p:nvSpPr>
+        <p:spPr>
+          <a:xfrm>
+            <a:off x="838200" y="365125"/>
+            <a:ext cx="10515600" cy="1325563"/>
+          </a:xfrm>
+        </p:spPr>
+        <p:txBody>
+          <a:bodyPr/>
+          <a:lstStyle/>
+          <a:p>
+            <a:r>
+              <a:rPr lang="en-US" dirty="0"/>
+              <a:t>To-dos</a:t>
+            </a:r>
+          </a:p>
+        </p:txBody>
+      </p:sp>
+      <p:sp>
+        <p:nvSpPr>
+          <p:cNvPr id="5" name="Inhaltsplatzhalter 2">
+            <a:extLst>
+              <a:ext uri="{FF2B5EF4-FFF2-40B4-BE49-F238E27FC236}">
+                <a16:creationId xmlns:a16="http://schemas.microsoft.com/office/drawing/2014/main" id="{90A5765C-AA75-96A0-FE14-8889660FF40C}"/>
+              </a:ext>
+            </a:extLst>
+          </p:cNvPr>
+          <p:cNvSpPr>
+            <a:spLocks noGrp="1"/>
+          </p:cNvSpPr>
+          <p:nvPr>
+            <p:ph idx="1"/>
+          </p:nvPr>
+        </p:nvSpPr>
+        <p:spPr>
+          <a:xfrm>
+            <a:off x="838200" y="1911096"/>
+            <a:ext cx="10515600" cy="3859742"/>
+          </a:xfrm>
+        </p:spPr>
+        <p:txBody>
+          <a:bodyPr>
+            <a:normAutofit fontScale="85000" lnSpcReduction="20000"/>
+          </a:bodyPr>
+          <a:lstStyle/>
+          <a:p>
+            <a:r>
+              <a:rPr lang="en-US" dirty="0"/>
+              <a:t>Clicking through the memories</a:t>
+            </a:r>
+          </a:p>
+          <a:p>
+            <a:r>
+              <a:rPr lang="en-US" dirty="0"/>
+              <a:t>Image upload</a:t>
+            </a:r>
+          </a:p>
+          <a:p>
+            <a:r>
+              <a:rPr lang="en-US" dirty="0"/>
+              <a:t>Tagging (Locations, activities, persons)</a:t>
+            </a:r>
+          </a:p>
+          <a:p>
+            <a:r>
+              <a:rPr lang="en-US" dirty="0" err="1"/>
+              <a:t>Sqlite</a:t>
+            </a:r>
+            <a:r>
+              <a:rPr lang="en-US" dirty="0"/>
+              <a:t> database</a:t>
+            </a:r>
+          </a:p>
+          <a:p>
+            <a:r>
+              <a:rPr lang="en-US" dirty="0"/>
+              <a:t>Saving memories</a:t>
+            </a:r>
+          </a:p>
+          <a:p>
+            <a:r>
+              <a:rPr lang="en-US" dirty="0"/>
+              <a:t>Filter &amp; Search memories</a:t>
+            </a:r>
+          </a:p>
+          <a:p>
+            <a:endParaRPr lang="en-US" dirty="0"/>
+          </a:p>
+          <a:p>
+            <a:pPr marL="0" indent="0">
+              <a:buNone/>
+            </a:pPr>
+            <a:r>
+              <a:rPr lang="en-US" b="1" dirty="0"/>
+              <a:t>Nice to have</a:t>
+            </a:r>
+          </a:p>
+          <a:p>
+            <a:r>
+              <a:rPr lang="en-US" dirty="0"/>
+              <a:t>Animate Dashboard</a:t>
+            </a:r>
+          </a:p>
+          <a:p>
+            <a:r>
+              <a:rPr lang="en-US" dirty="0"/>
+              <a:t>Google Places API</a:t>
+            </a:r>
+          </a:p>
+          <a:p>
+            <a:endParaRPr lang="en-US" dirty="0"/>
+          </a:p>
+        </p:txBody>
+      </p:sp>
+    </p:spTree>
+    <p:extLst>
+      <p:ext uri="{BB962C8B-B14F-4D97-AF65-F5344CB8AC3E}">
+        <p14:creationId xmlns:p14="http://schemas.microsoft.com/office/powerpoint/2010/main" val="2038683942"/>
+      </p:ext>
+    </p:extLst>
+  </p:cSld>
+  <p:clrMapOvr>
+    <a:masterClrMapping/>
+  </p:clrMapOvr>
+</p:sld>
+</file>
+
+<file path=ppt/slides/slide6.xml><?xml version="1.0" encoding="utf-8"?>
+<p:sld xmlns:a="http://schemas.openxmlformats.org/drawingml/2006/main" xmlns:r="http://schemas.openxmlformats.org/officeDocument/2006/relationships" xmlns:p="http://schemas.openxmlformats.org/presentationml/2006/main">
+  <p:cSld>
+    <p:spTree>
+      <p:nvGrpSpPr>
+        <p:cNvPr id="1" name=""/>
+        <p:cNvGrpSpPr/>
+        <p:nvPr/>
+      </p:nvGrpSpPr>
+      <p:grpSpPr>
+        <a:xfrm>
+          <a:off x="0" y="0"/>
+          <a:ext cx="0" cy="0"/>
+          <a:chOff x="0" y="0"/>
+          <a:chExt cx="0" cy="0"/>
+        </a:xfrm>
+      </p:grpSpPr>
+      <p:pic>
+        <p:nvPicPr>
+          <p:cNvPr id="7" name="Inhaltsplatzhalter 5">
+            <a:extLst>
+              <a:ext uri="{FF2B5EF4-FFF2-40B4-BE49-F238E27FC236}">
+                <a16:creationId xmlns:a16="http://schemas.microsoft.com/office/drawing/2014/main" id="{A6707B7B-E083-A7AF-F897-09597F4D393B}"/>
+              </a:ext>
+            </a:extLst>
+          </p:cNvPr>
+          <p:cNvPicPr>
+            <a:picLocks noChangeAspect="1"/>
+          </p:cNvPicPr>
+          <p:nvPr/>
+        </p:nvPicPr>
+        <p:blipFill>
+          <a:blip r:embed="rId2">
+            <a:extLst>
+              <a:ext uri="{28A0092B-C50C-407E-A947-70E740481C1C}">
+                <a14:useLocalDpi xmlns:a14="http://schemas.microsoft.com/office/drawing/2010/main" val="0"/>
+              </a:ext>
+            </a:extLst>
+          </a:blip>
+          <a:stretch>
+            <a:fillRect/>
+          </a:stretch>
+        </p:blipFill>
+        <p:spPr>
+          <a:xfrm>
+            <a:off x="0" y="-1"/>
+            <a:ext cx="12192000" cy="6858001"/>
+          </a:xfrm>
+          <a:prstGeom prst="rect">
+            <a:avLst/>
+          </a:prstGeom>
+        </p:spPr>
+      </p:pic>
+      <p:sp>
+        <p:nvSpPr>
+          <p:cNvPr id="2" name="Titel 1">
+            <a:extLst>
+              <a:ext uri="{FF2B5EF4-FFF2-40B4-BE49-F238E27FC236}">
+                <a16:creationId xmlns:a16="http://schemas.microsoft.com/office/drawing/2014/main" id="{BD4A7CA5-D2ED-EBEE-C1B8-416B9F6D8ECC}"/>
+              </a:ext>
+            </a:extLst>
+          </p:cNvPr>
+          <p:cNvSpPr>
+            <a:spLocks noGrp="1"/>
+          </p:cNvSpPr>
+          <p:nvPr>
+            <p:ph type="title"/>
+          </p:nvPr>
+        </p:nvSpPr>
+        <p:spPr/>
+        <p:txBody>
+          <a:bodyPr/>
+          <a:lstStyle/>
+          <a:p>
+            <a:r>
+              <a:rPr lang="en-US" dirty="0"/>
+              <a:t>Challenges</a:t>
+            </a:r>
+          </a:p>
+        </p:txBody>
+      </p:sp>
+      <p:sp>
+        <p:nvSpPr>
+          <p:cNvPr id="3" name="Textplatzhalter 2">
+            <a:extLst>
+              <a:ext uri="{FF2B5EF4-FFF2-40B4-BE49-F238E27FC236}">
+                <a16:creationId xmlns:a16="http://schemas.microsoft.com/office/drawing/2014/main" id="{267E30BB-A56C-6D16-E998-D2292F90B7F2}"/>
+              </a:ext>
+            </a:extLst>
+          </p:cNvPr>
+          <p:cNvSpPr>
+            <a:spLocks noGrp="1"/>
+          </p:cNvSpPr>
+          <p:nvPr>
+            <p:ph type="body" idx="1"/>
+          </p:nvPr>
+        </p:nvSpPr>
+        <p:spPr/>
+        <p:txBody>
+          <a:bodyPr/>
+          <a:lstStyle/>
+          <a:p>
+            <a:r>
+              <a:rPr lang="en-US" dirty="0"/>
+              <a:t>Password Regex</a:t>
+            </a:r>
+          </a:p>
+        </p:txBody>
+      </p:sp>
+      <p:sp>
+        <p:nvSpPr>
+          <p:cNvPr id="4" name="Inhaltsplatzhalter 3">
+            <a:extLst>
+              <a:ext uri="{FF2B5EF4-FFF2-40B4-BE49-F238E27FC236}">
+                <a16:creationId xmlns:a16="http://schemas.microsoft.com/office/drawing/2014/main" id="{36E44E28-54C1-F0D6-319D-B5CF77532F19}"/>
+              </a:ext>
+            </a:extLst>
+          </p:cNvPr>
+          <p:cNvSpPr>
+            <a:spLocks noGrp="1"/>
+          </p:cNvSpPr>
+          <p:nvPr>
+            <p:ph sz="half" idx="2"/>
+          </p:nvPr>
+        </p:nvSpPr>
+        <p:spPr/>
+        <p:txBody>
+          <a:bodyPr/>
+          <a:lstStyle/>
+          <a:p>
+            <a:r>
+              <a:rPr lang="en-US" dirty="0"/>
+              <a:t>At least 1 special char</a:t>
+            </a:r>
+          </a:p>
+          <a:p>
+            <a:r>
+              <a:rPr lang="en-US" dirty="0"/>
+              <a:t>At least 1 number</a:t>
+            </a:r>
+          </a:p>
+          <a:p>
+            <a:r>
+              <a:rPr lang="en-US" dirty="0"/>
+              <a:t>6 – 30 characters</a:t>
+            </a:r>
+          </a:p>
+          <a:p>
+            <a:endParaRPr lang="en-US" dirty="0"/>
+          </a:p>
+        </p:txBody>
+      </p:sp>
+      <p:sp>
+        <p:nvSpPr>
+          <p:cNvPr id="5" name="Textplatzhalter 4">
+            <a:extLst>
+              <a:ext uri="{FF2B5EF4-FFF2-40B4-BE49-F238E27FC236}">
+                <a16:creationId xmlns:a16="http://schemas.microsoft.com/office/drawing/2014/main" id="{7A04A5BD-00D3-EAC9-119E-6377052F50FB}"/>
+              </a:ext>
+            </a:extLst>
+          </p:cNvPr>
+          <p:cNvSpPr>
+            <a:spLocks noGrp="1"/>
+          </p:cNvSpPr>
+          <p:nvPr>
+            <p:ph type="body" sz="quarter" idx="3"/>
+          </p:nvPr>
+        </p:nvSpPr>
+        <p:spPr/>
+        <p:txBody>
+          <a:bodyPr/>
+          <a:lstStyle/>
+          <a:p>
+            <a:r>
+              <a:rPr lang="en-US" dirty="0"/>
+              <a:t>Testing on Safari</a:t>
+            </a:r>
+          </a:p>
+        </p:txBody>
+      </p:sp>
+      <p:sp>
+        <p:nvSpPr>
+          <p:cNvPr id="6" name="Inhaltsplatzhalter 5">
+            <a:extLst>
+              <a:ext uri="{FF2B5EF4-FFF2-40B4-BE49-F238E27FC236}">
+                <a16:creationId xmlns:a16="http://schemas.microsoft.com/office/drawing/2014/main" id="{F18C1E7D-9780-2E92-EADA-84BC24930E7E}"/>
+              </a:ext>
+            </a:extLst>
+          </p:cNvPr>
+          <p:cNvSpPr>
+            <a:spLocks noGrp="1"/>
+          </p:cNvSpPr>
+          <p:nvPr>
+            <p:ph sz="quarter" idx="4"/>
+          </p:nvPr>
+        </p:nvSpPr>
+        <p:spPr/>
+        <p:txBody>
+          <a:bodyPr/>
+          <a:lstStyle/>
+          <a:p>
+            <a:r>
+              <a:rPr lang="en-US" dirty="0"/>
+              <a:t>Download version only up to version 5.xx</a:t>
+            </a:r>
+          </a:p>
+          <a:p>
+            <a:r>
+              <a:rPr lang="en-US" dirty="0"/>
+              <a:t>Virtual Safari Browser abo not for free and test version very limited</a:t>
+            </a:r>
+          </a:p>
+          <a:p>
+            <a:r>
+              <a:rPr lang="en-US" dirty="0"/>
+              <a:t>Don’t want to set up a VM</a:t>
+            </a:r>
+          </a:p>
+        </p:txBody>
+      </p:sp>
+    </p:spTree>
+    <p:extLst>
+      <p:ext uri="{BB962C8B-B14F-4D97-AF65-F5344CB8AC3E}">
+        <p14:creationId xmlns:p14="http://schemas.microsoft.com/office/powerpoint/2010/main" val="1057078978"/>
+      </p:ext>
+    </p:extLst>
+  </p:cSld>
+  <p:clrMapOvr>
+    <a:masterClrMapping/>
+  </p:clrMapOvr>
+</p:sld>
+</file>
+
+<file path=ppt/slides/slide7.xml><?xml version="1.0" encoding="utf-8"?>
+<p:sld xmlns:a="http://schemas.openxmlformats.org/drawingml/2006/main" xmlns:r="http://schemas.openxmlformats.org/officeDocument/2006/relationships" xmlns:p="http://schemas.openxmlformats.org/presentationml/2006/main">
+  <p:cSld>
+    <p:spTree>
+      <p:nvGrpSpPr>
+        <p:cNvPr id="1" name=""/>
+        <p:cNvGrpSpPr/>
+        <p:nvPr/>
+      </p:nvGrpSpPr>
+      <p:grpSpPr>
+        <a:xfrm>
+          <a:off x="0" y="0"/>
+          <a:ext cx="0" cy="0"/>
+          <a:chOff x="0" y="0"/>
+          <a:chExt cx="0" cy="0"/>
+        </a:xfrm>
+      </p:grpSpPr>
+      <p:sp>
+        <p:nvSpPr>
+          <p:cNvPr id="2" name="Bildplatzhalter 1">
+            <a:extLst>
+              <a:ext uri="{FF2B5EF4-FFF2-40B4-BE49-F238E27FC236}">
+                <a16:creationId xmlns:a16="http://schemas.microsoft.com/office/drawing/2014/main" id="{07347454-C070-4667-55F2-648132264B5F}"/>
+              </a:ext>
+            </a:extLst>
+          </p:cNvPr>
+          <p:cNvSpPr>
+            <a:spLocks noGrp="1"/>
+          </p:cNvSpPr>
+          <p:nvPr>
+            <p:ph type="pic" sz="quarter" idx="14"/>
+          </p:nvPr>
+        </p:nvSpPr>
+        <p:spPr/>
+      </p:sp>
+      <p:sp>
+        <p:nvSpPr>
+          <p:cNvPr id="3" name="Bildplatzhalter 2">
+            <a:extLst>
+              <a:ext uri="{FF2B5EF4-FFF2-40B4-BE49-F238E27FC236}">
+                <a16:creationId xmlns:a16="http://schemas.microsoft.com/office/drawing/2014/main" id="{CF9BAEB9-0032-4FC0-E644-388CB4FC700B}"/>
+              </a:ext>
+            </a:extLst>
+          </p:cNvPr>
+          <p:cNvSpPr>
+            <a:spLocks noGrp="1"/>
+          </p:cNvSpPr>
+          <p:nvPr>
+            <p:ph type="pic" sz="quarter" idx="13"/>
+          </p:nvPr>
+        </p:nvSpPr>
+        <p:spPr/>
+      </p:sp>
+      <p:sp>
+        <p:nvSpPr>
+          <p:cNvPr id="4" name="Titel 3">
+            <a:extLst>
+              <a:ext uri="{FF2B5EF4-FFF2-40B4-BE49-F238E27FC236}">
+                <a16:creationId xmlns:a16="http://schemas.microsoft.com/office/drawing/2014/main" id="{06EE04EA-995C-2960-E957-87455157FA25}"/>
+              </a:ext>
+            </a:extLst>
+          </p:cNvPr>
+          <p:cNvSpPr>
+            <a:spLocks noGrp="1"/>
+          </p:cNvSpPr>
+          <p:nvPr>
+            <p:ph type="title"/>
+          </p:nvPr>
+        </p:nvSpPr>
+        <p:spPr/>
+        <p:txBody>
+          <a:bodyPr/>
+          <a:lstStyle/>
+          <a:p>
+            <a:r>
+              <a:rPr lang="en-US" dirty="0"/>
+              <a:t>Upcoming features</a:t>
+            </a:r>
+          </a:p>
+        </p:txBody>
+      </p:sp>
+      <p:sp>
+        <p:nvSpPr>
+          <p:cNvPr id="5" name="Inhaltsplatzhalter 4">
+            <a:extLst>
+              <a:ext uri="{FF2B5EF4-FFF2-40B4-BE49-F238E27FC236}">
+                <a16:creationId xmlns:a16="http://schemas.microsoft.com/office/drawing/2014/main" id="{9152FCFB-B0F7-1256-F11C-0FF2E5478ECF}"/>
+              </a:ext>
+            </a:extLst>
+          </p:cNvPr>
+          <p:cNvSpPr>
+            <a:spLocks noGrp="1"/>
+          </p:cNvSpPr>
+          <p:nvPr>
+            <p:ph idx="1"/>
+          </p:nvPr>
+        </p:nvSpPr>
+        <p:spPr/>
+        <p:txBody>
+          <a:bodyPr/>
+          <a:lstStyle/>
+          <a:p>
+            <a:pPr marL="342900" indent="-342900">
+              <a:buFont typeface="Arial" panose="020B0604020202020204" pitchFamily="34" charset="0"/>
+              <a:buChar char="•"/>
+            </a:pPr>
+            <a:r>
+              <a:rPr lang="en-US" dirty="0"/>
+              <a:t>Image upload with preview (multiple)</a:t>
+            </a:r>
+          </a:p>
+          <a:p>
+            <a:pPr marL="342900" indent="-342900">
+              <a:buFont typeface="Arial" panose="020B0604020202020204" pitchFamily="34" charset="0"/>
+              <a:buChar char="•"/>
+            </a:pPr>
+            <a:r>
+              <a:rPr lang="en-US" dirty="0"/>
+              <a:t>Article scroll-snap</a:t>
+            </a:r>
+          </a:p>
+          <a:p>
+            <a:pPr marL="342900" indent="-342900">
+              <a:buFont typeface="Arial" panose="020B0604020202020204" pitchFamily="34" charset="0"/>
+              <a:buChar char="•"/>
+            </a:pPr>
+            <a:r>
+              <a:rPr lang="en-US" dirty="0"/>
+              <a:t>Model View Controller for memories</a:t>
+            </a:r>
+          </a:p>
+          <a:p>
+            <a:pPr marL="342900" indent="-342900">
+              <a:buFont typeface="Arial" panose="020B0604020202020204" pitchFamily="34" charset="0"/>
+              <a:buChar char="•"/>
+            </a:pPr>
+            <a:endParaRPr lang="en-US" dirty="0"/>
+          </a:p>
+        </p:txBody>
+      </p:sp>
+    </p:spTree>
+    <p:extLst>
+      <p:ext uri="{BB962C8B-B14F-4D97-AF65-F5344CB8AC3E}">
+        <p14:creationId xmlns:p14="http://schemas.microsoft.com/office/powerpoint/2010/main" val="823566888"/>
       </p:ext>
     </p:extLst>
   </p:cSld>

--- a/docs/Dear Diary - Milestone I Presentation.pptx
+++ b/docs/Dear Diary - Milestone I Presentation.pptx
@@ -679,7 +679,7 @@
           <a:p>
             <a:fld id="{43360104-F800-4E31-B753-9F884E127649}" type="datetimeFigureOut">
               <a:rPr lang="de-AT" smtClean="0"/>
-              <a:t>02.09.2022</a:t>
+              <a:t>19.09.2022</a:t>
             </a:fld>
             <a:endParaRPr lang="de-AT"/>
           </a:p>
@@ -1277,7 +1277,7 @@
           <a:p>
             <a:fld id="{43360104-F800-4E31-B753-9F884E127649}" type="datetimeFigureOut">
               <a:rPr lang="de-AT" smtClean="0"/>
-              <a:t>02.09.2022</a:t>
+              <a:t>19.09.2022</a:t>
             </a:fld>
             <a:endParaRPr lang="de-AT"/>
           </a:p>
@@ -1538,7 +1538,7 @@
           <a:p>
             <a:fld id="{43360104-F800-4E31-B753-9F884E127649}" type="datetimeFigureOut">
               <a:rPr lang="de-AT" smtClean="0"/>
-              <a:t>02.09.2022</a:t>
+              <a:t>19.09.2022</a:t>
             </a:fld>
             <a:endParaRPr lang="de-AT"/>
           </a:p>
@@ -1752,7 +1752,7 @@
           <a:p>
             <a:fld id="{43360104-F800-4E31-B753-9F884E127649}" type="datetimeFigureOut">
               <a:rPr lang="de-AT" smtClean="0"/>
-              <a:t>02.09.2022</a:t>
+              <a:t>19.09.2022</a:t>
             </a:fld>
             <a:endParaRPr lang="de-AT"/>
           </a:p>
@@ -1897,7 +1897,7 @@
           <a:p>
             <a:fld id="{43360104-F800-4E31-B753-9F884E127649}" type="datetimeFigureOut">
               <a:rPr lang="de-AT" smtClean="0"/>
-              <a:t>02.09.2022</a:t>
+              <a:t>19.09.2022</a:t>
             </a:fld>
             <a:endParaRPr lang="de-AT"/>
           </a:p>
@@ -2270,7 +2270,7 @@
           <a:p>
             <a:fld id="{43360104-F800-4E31-B753-9F884E127649}" type="datetimeFigureOut">
               <a:rPr lang="de-AT" smtClean="0"/>
-              <a:t>02.09.2022</a:t>
+              <a:t>19.09.2022</a:t>
             </a:fld>
             <a:endParaRPr lang="de-AT"/>
           </a:p>
@@ -2595,7 +2595,7 @@
           <a:p>
             <a:fld id="{43360104-F800-4E31-B753-9F884E127649}" type="datetimeFigureOut">
               <a:rPr lang="de-AT" smtClean="0"/>
-              <a:t>02.09.2022</a:t>
+              <a:t>19.09.2022</a:t>
             </a:fld>
             <a:endParaRPr lang="de-AT"/>
           </a:p>
@@ -2845,7 +2845,7 @@
           <a:p>
             <a:fld id="{43360104-F800-4E31-B753-9F884E127649}" type="datetimeFigureOut">
               <a:rPr lang="de-AT" smtClean="0"/>
-              <a:t>02.09.2022</a:t>
+              <a:t>19.09.2022</a:t>
             </a:fld>
             <a:endParaRPr lang="de-AT"/>
           </a:p>
@@ -3391,7 +3391,7 @@
           <a:p>
             <a:fld id="{43360104-F800-4E31-B753-9F884E127649}" type="datetimeFigureOut">
               <a:rPr lang="de-AT" smtClean="0"/>
-              <a:t>02.09.2022</a:t>
+              <a:t>19.09.2022</a:t>
             </a:fld>
             <a:endParaRPr lang="de-AT"/>
           </a:p>
@@ -3841,7 +3841,7 @@
           <a:p>
             <a:fld id="{43360104-F800-4E31-B753-9F884E127649}" type="datetimeFigureOut">
               <a:rPr lang="de-AT" smtClean="0"/>
-              <a:t>02.09.2022</a:t>
+              <a:t>19.09.2022</a:t>
             </a:fld>
             <a:endParaRPr lang="de-AT"/>
           </a:p>
@@ -4015,7 +4015,7 @@
           <a:p>
             <a:fld id="{43360104-F800-4E31-B753-9F884E127649}" type="datetimeFigureOut">
               <a:rPr lang="de-AT" smtClean="0"/>
-              <a:t>02.09.2022</a:t>
+              <a:t>19.09.2022</a:t>
             </a:fld>
             <a:endParaRPr lang="de-AT"/>
           </a:p>
@@ -4496,7 +4496,7 @@
           <a:p>
             <a:fld id="{43360104-F800-4E31-B753-9F884E127649}" type="datetimeFigureOut">
               <a:rPr lang="de-AT" smtClean="0"/>
-              <a:t>02.09.2022</a:t>
+              <a:t>19.09.2022</a:t>
             </a:fld>
             <a:endParaRPr lang="de-AT"/>
           </a:p>
@@ -4800,7 +4800,7 @@
           <a:p>
             <a:fld id="{43360104-F800-4E31-B753-9F884E127649}" type="datetimeFigureOut">
               <a:rPr lang="de-AT" smtClean="0"/>
-              <a:t>02.09.2022</a:t>
+              <a:t>19.09.2022</a:t>
             </a:fld>
             <a:endParaRPr lang="de-AT"/>
           </a:p>
@@ -5281,7 +5281,7 @@
           <a:p>
             <a:fld id="{43360104-F800-4E31-B753-9F884E127649}" type="datetimeFigureOut">
               <a:rPr lang="de-AT" smtClean="0"/>
-              <a:t>02.09.2022</a:t>
+              <a:t>19.09.2022</a:t>
             </a:fld>
             <a:endParaRPr lang="de-AT"/>
           </a:p>
@@ -5536,7 +5536,7 @@
           <a:p>
             <a:fld id="{43360104-F800-4E31-B753-9F884E127649}" type="datetimeFigureOut">
               <a:rPr lang="de-AT" smtClean="0"/>
-              <a:t>02.09.2022</a:t>
+              <a:t>19.09.2022</a:t>
             </a:fld>
             <a:endParaRPr lang="de-AT"/>
           </a:p>
@@ -7042,7 +7042,7 @@
           <a:p>
             <a:r>
               <a:rPr lang="en-US" dirty="0"/>
-              <a:t>Clicking through the memories</a:t>
+              <a:t>Remove Arrow (last and first element)</a:t>
             </a:r>
           </a:p>
           <a:p>
@@ -7118,6 +7118,369 @@
   <p:clrMapOvr>
     <a:masterClrMapping/>
   </p:clrMapOvr>
+  <p:timing>
+    <p:tnLst>
+      <p:par>
+        <p:cTn id="1" dur="indefinite" restart="never" nodeType="tmRoot">
+          <p:childTnLst>
+            <p:seq concurrent="1" nextAc="seek">
+              <p:cTn id="2" dur="indefinite" nodeType="mainSeq">
+                <p:childTnLst>
+                  <p:par>
+                    <p:cTn id="3" fill="hold">
+                      <p:stCondLst>
+                        <p:cond delay="indefinite"/>
+                      </p:stCondLst>
+                      <p:childTnLst>
+                        <p:par>
+                          <p:cTn id="4" fill="hold">
+                            <p:stCondLst>
+                              <p:cond delay="0"/>
+                            </p:stCondLst>
+                            <p:childTnLst>
+                              <p:par>
+                                <p:cTn id="5" presetID="1" presetClass="entr" presetSubtype="0" fill="hold" nodeType="clickEffect">
+                                  <p:stCondLst>
+                                    <p:cond delay="0"/>
+                                  </p:stCondLst>
+                                  <p:childTnLst>
+                                    <p:set>
+                                      <p:cBhvr>
+                                        <p:cTn id="6" dur="1" fill="hold">
+                                          <p:stCondLst>
+                                            <p:cond delay="0"/>
+                                          </p:stCondLst>
+                                        </p:cTn>
+                                        <p:tgtEl>
+                                          <p:spTgt spid="5">
+                                            <p:txEl>
+                                              <p:pRg st="0" end="0"/>
+                                            </p:txEl>
+                                          </p:spTgt>
+                                        </p:tgtEl>
+                                        <p:attrNameLst>
+                                          <p:attrName>style.visibility</p:attrName>
+                                        </p:attrNameLst>
+                                      </p:cBhvr>
+                                      <p:to>
+                                        <p:strVal val="visible"/>
+                                      </p:to>
+                                    </p:set>
+                                  </p:childTnLst>
+                                </p:cTn>
+                              </p:par>
+                              <p:par>
+                                <p:cTn id="7" presetID="1" presetClass="entr" presetSubtype="0" fill="hold" nodeType="withEffect">
+                                  <p:stCondLst>
+                                    <p:cond delay="0"/>
+                                  </p:stCondLst>
+                                  <p:childTnLst>
+                                    <p:set>
+                                      <p:cBhvr>
+                                        <p:cTn id="8" dur="1" fill="hold">
+                                          <p:stCondLst>
+                                            <p:cond delay="0"/>
+                                          </p:stCondLst>
+                                        </p:cTn>
+                                        <p:tgtEl>
+                                          <p:spTgt spid="5">
+                                            <p:txEl>
+                                              <p:pRg st="1" end="1"/>
+                                            </p:txEl>
+                                          </p:spTgt>
+                                        </p:tgtEl>
+                                        <p:attrNameLst>
+                                          <p:attrName>style.visibility</p:attrName>
+                                        </p:attrNameLst>
+                                      </p:cBhvr>
+                                      <p:to>
+                                        <p:strVal val="visible"/>
+                                      </p:to>
+                                    </p:set>
+                                  </p:childTnLst>
+                                </p:cTn>
+                              </p:par>
+                              <p:par>
+                                <p:cTn id="9" presetID="1" presetClass="entr" presetSubtype="0" fill="hold" nodeType="withEffect">
+                                  <p:stCondLst>
+                                    <p:cond delay="0"/>
+                                  </p:stCondLst>
+                                  <p:childTnLst>
+                                    <p:set>
+                                      <p:cBhvr>
+                                        <p:cTn id="10" dur="1" fill="hold">
+                                          <p:stCondLst>
+                                            <p:cond delay="0"/>
+                                          </p:stCondLst>
+                                        </p:cTn>
+                                        <p:tgtEl>
+                                          <p:spTgt spid="5">
+                                            <p:txEl>
+                                              <p:pRg st="2" end="2"/>
+                                            </p:txEl>
+                                          </p:spTgt>
+                                        </p:tgtEl>
+                                        <p:attrNameLst>
+                                          <p:attrName>style.visibility</p:attrName>
+                                        </p:attrNameLst>
+                                      </p:cBhvr>
+                                      <p:to>
+                                        <p:strVal val="visible"/>
+                                      </p:to>
+                                    </p:set>
+                                  </p:childTnLst>
+                                </p:cTn>
+                              </p:par>
+                              <p:par>
+                                <p:cTn id="11" presetID="1" presetClass="entr" presetSubtype="0" fill="hold" nodeType="withEffect">
+                                  <p:stCondLst>
+                                    <p:cond delay="0"/>
+                                  </p:stCondLst>
+                                  <p:childTnLst>
+                                    <p:set>
+                                      <p:cBhvr>
+                                        <p:cTn id="12" dur="1" fill="hold">
+                                          <p:stCondLst>
+                                            <p:cond delay="0"/>
+                                          </p:stCondLst>
+                                        </p:cTn>
+                                        <p:tgtEl>
+                                          <p:spTgt spid="5">
+                                            <p:txEl>
+                                              <p:pRg st="3" end="3"/>
+                                            </p:txEl>
+                                          </p:spTgt>
+                                        </p:tgtEl>
+                                        <p:attrNameLst>
+                                          <p:attrName>style.visibility</p:attrName>
+                                        </p:attrNameLst>
+                                      </p:cBhvr>
+                                      <p:to>
+                                        <p:strVal val="visible"/>
+                                      </p:to>
+                                    </p:set>
+                                  </p:childTnLst>
+                                </p:cTn>
+                              </p:par>
+                              <p:par>
+                                <p:cTn id="13" presetID="1" presetClass="entr" presetSubtype="0" fill="hold" nodeType="withEffect">
+                                  <p:stCondLst>
+                                    <p:cond delay="0"/>
+                                  </p:stCondLst>
+                                  <p:childTnLst>
+                                    <p:set>
+                                      <p:cBhvr>
+                                        <p:cTn id="14" dur="1" fill="hold">
+                                          <p:stCondLst>
+                                            <p:cond delay="0"/>
+                                          </p:stCondLst>
+                                        </p:cTn>
+                                        <p:tgtEl>
+                                          <p:spTgt spid="5">
+                                            <p:txEl>
+                                              <p:pRg st="4" end="4"/>
+                                            </p:txEl>
+                                          </p:spTgt>
+                                        </p:tgtEl>
+                                        <p:attrNameLst>
+                                          <p:attrName>style.visibility</p:attrName>
+                                        </p:attrNameLst>
+                                      </p:cBhvr>
+                                      <p:to>
+                                        <p:strVal val="visible"/>
+                                      </p:to>
+                                    </p:set>
+                                  </p:childTnLst>
+                                </p:cTn>
+                              </p:par>
+                              <p:par>
+                                <p:cTn id="15" presetID="1" presetClass="entr" presetSubtype="0" fill="hold" nodeType="withEffect">
+                                  <p:stCondLst>
+                                    <p:cond delay="0"/>
+                                  </p:stCondLst>
+                                  <p:childTnLst>
+                                    <p:set>
+                                      <p:cBhvr>
+                                        <p:cTn id="16" dur="1" fill="hold">
+                                          <p:stCondLst>
+                                            <p:cond delay="0"/>
+                                          </p:stCondLst>
+                                        </p:cTn>
+                                        <p:tgtEl>
+                                          <p:spTgt spid="5">
+                                            <p:txEl>
+                                              <p:pRg st="5" end="5"/>
+                                            </p:txEl>
+                                          </p:spTgt>
+                                        </p:tgtEl>
+                                        <p:attrNameLst>
+                                          <p:attrName>style.visibility</p:attrName>
+                                        </p:attrNameLst>
+                                      </p:cBhvr>
+                                      <p:to>
+                                        <p:strVal val="visible"/>
+                                      </p:to>
+                                    </p:set>
+                                  </p:childTnLst>
+                                </p:cTn>
+                              </p:par>
+                            </p:childTnLst>
+                          </p:cTn>
+                        </p:par>
+                      </p:childTnLst>
+                    </p:cTn>
+                  </p:par>
+                  <p:par>
+                    <p:cTn id="17" fill="hold">
+                      <p:stCondLst>
+                        <p:cond delay="indefinite"/>
+                      </p:stCondLst>
+                      <p:childTnLst>
+                        <p:par>
+                          <p:cTn id="18" fill="hold">
+                            <p:stCondLst>
+                              <p:cond delay="0"/>
+                            </p:stCondLst>
+                            <p:childTnLst>
+                              <p:par>
+                                <p:cTn id="19" presetID="1" presetClass="entr" presetSubtype="0" fill="hold" nodeType="clickEffect">
+                                  <p:stCondLst>
+                                    <p:cond delay="0"/>
+                                  </p:stCondLst>
+                                  <p:childTnLst>
+                                    <p:set>
+                                      <p:cBhvr>
+                                        <p:cTn id="20" dur="1" fill="hold">
+                                          <p:stCondLst>
+                                            <p:cond delay="0"/>
+                                          </p:stCondLst>
+                                        </p:cTn>
+                                        <p:tgtEl>
+                                          <p:spTgt spid="5">
+                                            <p:txEl>
+                                              <p:pRg st="7" end="7"/>
+                                            </p:txEl>
+                                          </p:spTgt>
+                                        </p:tgtEl>
+                                        <p:attrNameLst>
+                                          <p:attrName>style.visibility</p:attrName>
+                                        </p:attrNameLst>
+                                      </p:cBhvr>
+                                      <p:to>
+                                        <p:strVal val="visible"/>
+                                      </p:to>
+                                    </p:set>
+                                  </p:childTnLst>
+                                </p:cTn>
+                              </p:par>
+                              <p:par>
+                                <p:cTn id="21" presetID="1" presetClass="entr" presetSubtype="0" fill="hold" nodeType="withEffect">
+                                  <p:stCondLst>
+                                    <p:cond delay="0"/>
+                                  </p:stCondLst>
+                                  <p:childTnLst>
+                                    <p:set>
+                                      <p:cBhvr>
+                                        <p:cTn id="22" dur="1" fill="hold">
+                                          <p:stCondLst>
+                                            <p:cond delay="0"/>
+                                          </p:stCondLst>
+                                        </p:cTn>
+                                        <p:tgtEl>
+                                          <p:spTgt spid="5">
+                                            <p:txEl>
+                                              <p:pRg st="8" end="8"/>
+                                            </p:txEl>
+                                          </p:spTgt>
+                                        </p:tgtEl>
+                                        <p:attrNameLst>
+                                          <p:attrName>style.visibility</p:attrName>
+                                        </p:attrNameLst>
+                                      </p:cBhvr>
+                                      <p:to>
+                                        <p:strVal val="visible"/>
+                                      </p:to>
+                                    </p:set>
+                                  </p:childTnLst>
+                                </p:cTn>
+                              </p:par>
+                            </p:childTnLst>
+                          </p:cTn>
+                        </p:par>
+                      </p:childTnLst>
+                    </p:cTn>
+                  </p:par>
+                  <p:par>
+                    <p:cTn id="23" fill="hold">
+                      <p:stCondLst>
+                        <p:cond delay="indefinite"/>
+                      </p:stCondLst>
+                      <p:childTnLst>
+                        <p:par>
+                          <p:cTn id="24" fill="hold">
+                            <p:stCondLst>
+                              <p:cond delay="0"/>
+                            </p:stCondLst>
+                            <p:childTnLst>
+                              <p:par>
+                                <p:cTn id="25" presetID="1" presetClass="entr" presetSubtype="0" fill="hold" nodeType="clickEffect">
+                                  <p:stCondLst>
+                                    <p:cond delay="0"/>
+                                  </p:stCondLst>
+                                  <p:childTnLst>
+                                    <p:set>
+                                      <p:cBhvr>
+                                        <p:cTn id="26" dur="1" fill="hold">
+                                          <p:stCondLst>
+                                            <p:cond delay="0"/>
+                                          </p:stCondLst>
+                                        </p:cTn>
+                                        <p:tgtEl>
+                                          <p:spTgt spid="5">
+                                            <p:txEl>
+                                              <p:pRg st="9" end="9"/>
+                                            </p:txEl>
+                                          </p:spTgt>
+                                        </p:tgtEl>
+                                        <p:attrNameLst>
+                                          <p:attrName>style.visibility</p:attrName>
+                                        </p:attrNameLst>
+                                      </p:cBhvr>
+                                      <p:to>
+                                        <p:strVal val="visible"/>
+                                      </p:to>
+                                    </p:set>
+                                  </p:childTnLst>
+                                </p:cTn>
+                              </p:par>
+                            </p:childTnLst>
+                          </p:cTn>
+                        </p:par>
+                      </p:childTnLst>
+                    </p:cTn>
+                  </p:par>
+                </p:childTnLst>
+              </p:cTn>
+              <p:prevCondLst>
+                <p:cond evt="onPrev" delay="0">
+                  <p:tgtEl>
+                    <p:sldTgt/>
+                  </p:tgtEl>
+                </p:cond>
+              </p:prevCondLst>
+              <p:nextCondLst>
+                <p:cond evt="onNext" delay="0">
+                  <p:tgtEl>
+                    <p:sldTgt/>
+                  </p:tgtEl>
+                </p:cond>
+              </p:nextCondLst>
+            </p:seq>
+          </p:childTnLst>
+        </p:cTn>
+      </p:par>
+    </p:tnLst>
+  </p:timing>
 </p:sld>
 </file>
 
@@ -7351,6 +7714,320 @@
   <p:clrMapOvr>
     <a:masterClrMapping/>
   </p:clrMapOvr>
+  <p:timing>
+    <p:tnLst>
+      <p:par>
+        <p:cTn id="1" dur="indefinite" restart="never" nodeType="tmRoot">
+          <p:childTnLst>
+            <p:seq concurrent="1" nextAc="seek">
+              <p:cTn id="2" dur="indefinite" nodeType="mainSeq">
+                <p:childTnLst>
+                  <p:par>
+                    <p:cTn id="3" fill="hold">
+                      <p:stCondLst>
+                        <p:cond delay="indefinite"/>
+                      </p:stCondLst>
+                      <p:childTnLst>
+                        <p:par>
+                          <p:cTn id="4" fill="hold">
+                            <p:stCondLst>
+                              <p:cond delay="0"/>
+                            </p:stCondLst>
+                            <p:childTnLst>
+                              <p:par>
+                                <p:cTn id="5" presetID="1" presetClass="entr" presetSubtype="0" fill="hold" nodeType="clickEffect">
+                                  <p:stCondLst>
+                                    <p:cond delay="0"/>
+                                  </p:stCondLst>
+                                  <p:childTnLst>
+                                    <p:set>
+                                      <p:cBhvr>
+                                        <p:cTn id="6" dur="1" fill="hold">
+                                          <p:stCondLst>
+                                            <p:cond delay="0"/>
+                                          </p:stCondLst>
+                                        </p:cTn>
+                                        <p:tgtEl>
+                                          <p:spTgt spid="3">
+                                            <p:txEl>
+                                              <p:pRg st="0" end="0"/>
+                                            </p:txEl>
+                                          </p:spTgt>
+                                        </p:tgtEl>
+                                        <p:attrNameLst>
+                                          <p:attrName>style.visibility</p:attrName>
+                                        </p:attrNameLst>
+                                      </p:cBhvr>
+                                      <p:to>
+                                        <p:strVal val="visible"/>
+                                      </p:to>
+                                    </p:set>
+                                  </p:childTnLst>
+                                </p:cTn>
+                              </p:par>
+                              <p:par>
+                                <p:cTn id="7" presetID="1" presetClass="entr" presetSubtype="0" fill="hold" nodeType="withEffect">
+                                  <p:stCondLst>
+                                    <p:cond delay="0"/>
+                                  </p:stCondLst>
+                                  <p:childTnLst>
+                                    <p:set>
+                                      <p:cBhvr>
+                                        <p:cTn id="8" dur="1" fill="hold">
+                                          <p:stCondLst>
+                                            <p:cond delay="0"/>
+                                          </p:stCondLst>
+                                        </p:cTn>
+                                        <p:tgtEl>
+                                          <p:spTgt spid="4">
+                                            <p:txEl>
+                                              <p:pRg st="0" end="0"/>
+                                            </p:txEl>
+                                          </p:spTgt>
+                                        </p:tgtEl>
+                                        <p:attrNameLst>
+                                          <p:attrName>style.visibility</p:attrName>
+                                        </p:attrNameLst>
+                                      </p:cBhvr>
+                                      <p:to>
+                                        <p:strVal val="visible"/>
+                                      </p:to>
+                                    </p:set>
+                                  </p:childTnLst>
+                                </p:cTn>
+                              </p:par>
+                              <p:par>
+                                <p:cTn id="9" presetID="1" presetClass="entr" presetSubtype="0" fill="hold" nodeType="withEffect">
+                                  <p:stCondLst>
+                                    <p:cond delay="0"/>
+                                  </p:stCondLst>
+                                  <p:childTnLst>
+                                    <p:set>
+                                      <p:cBhvr>
+                                        <p:cTn id="10" dur="1" fill="hold">
+                                          <p:stCondLst>
+                                            <p:cond delay="0"/>
+                                          </p:stCondLst>
+                                        </p:cTn>
+                                        <p:tgtEl>
+                                          <p:spTgt spid="4">
+                                            <p:txEl>
+                                              <p:pRg st="1" end="1"/>
+                                            </p:txEl>
+                                          </p:spTgt>
+                                        </p:tgtEl>
+                                        <p:attrNameLst>
+                                          <p:attrName>style.visibility</p:attrName>
+                                        </p:attrNameLst>
+                                      </p:cBhvr>
+                                      <p:to>
+                                        <p:strVal val="visible"/>
+                                      </p:to>
+                                    </p:set>
+                                  </p:childTnLst>
+                                </p:cTn>
+                              </p:par>
+                              <p:par>
+                                <p:cTn id="11" presetID="1" presetClass="entr" presetSubtype="0" fill="hold" nodeType="withEffect">
+                                  <p:stCondLst>
+                                    <p:cond delay="0"/>
+                                  </p:stCondLst>
+                                  <p:childTnLst>
+                                    <p:set>
+                                      <p:cBhvr>
+                                        <p:cTn id="12" dur="1" fill="hold">
+                                          <p:stCondLst>
+                                            <p:cond delay="0"/>
+                                          </p:stCondLst>
+                                        </p:cTn>
+                                        <p:tgtEl>
+                                          <p:spTgt spid="4">
+                                            <p:txEl>
+                                              <p:pRg st="2" end="2"/>
+                                            </p:txEl>
+                                          </p:spTgt>
+                                        </p:tgtEl>
+                                        <p:attrNameLst>
+                                          <p:attrName>style.visibility</p:attrName>
+                                        </p:attrNameLst>
+                                      </p:cBhvr>
+                                      <p:to>
+                                        <p:strVal val="visible"/>
+                                      </p:to>
+                                    </p:set>
+                                  </p:childTnLst>
+                                </p:cTn>
+                              </p:par>
+                            </p:childTnLst>
+                          </p:cTn>
+                        </p:par>
+                      </p:childTnLst>
+                    </p:cTn>
+                  </p:par>
+                  <p:par>
+                    <p:cTn id="13" fill="hold">
+                      <p:stCondLst>
+                        <p:cond delay="indefinite"/>
+                      </p:stCondLst>
+                      <p:childTnLst>
+                        <p:par>
+                          <p:cTn id="14" fill="hold">
+                            <p:stCondLst>
+                              <p:cond delay="0"/>
+                            </p:stCondLst>
+                            <p:childTnLst>
+                              <p:par>
+                                <p:cTn id="15" presetID="1" presetClass="entr" presetSubtype="0" fill="hold" nodeType="clickEffect">
+                                  <p:stCondLst>
+                                    <p:cond delay="0"/>
+                                  </p:stCondLst>
+                                  <p:childTnLst>
+                                    <p:set>
+                                      <p:cBhvr>
+                                        <p:cTn id="16" dur="1" fill="hold">
+                                          <p:stCondLst>
+                                            <p:cond delay="0"/>
+                                          </p:stCondLst>
+                                        </p:cTn>
+                                        <p:tgtEl>
+                                          <p:spTgt spid="5">
+                                            <p:txEl>
+                                              <p:pRg st="0" end="0"/>
+                                            </p:txEl>
+                                          </p:spTgt>
+                                        </p:tgtEl>
+                                        <p:attrNameLst>
+                                          <p:attrName>style.visibility</p:attrName>
+                                        </p:attrNameLst>
+                                      </p:cBhvr>
+                                      <p:to>
+                                        <p:strVal val="visible"/>
+                                      </p:to>
+                                    </p:set>
+                                  </p:childTnLst>
+                                </p:cTn>
+                              </p:par>
+                              <p:par>
+                                <p:cTn id="17" presetID="1" presetClass="entr" presetSubtype="0" fill="hold" nodeType="withEffect">
+                                  <p:stCondLst>
+                                    <p:cond delay="0"/>
+                                  </p:stCondLst>
+                                  <p:childTnLst>
+                                    <p:set>
+                                      <p:cBhvr>
+                                        <p:cTn id="18" dur="1" fill="hold">
+                                          <p:stCondLst>
+                                            <p:cond delay="0"/>
+                                          </p:stCondLst>
+                                        </p:cTn>
+                                        <p:tgtEl>
+                                          <p:spTgt spid="6">
+                                            <p:txEl>
+                                              <p:pRg st="0" end="0"/>
+                                            </p:txEl>
+                                          </p:spTgt>
+                                        </p:tgtEl>
+                                        <p:attrNameLst>
+                                          <p:attrName>style.visibility</p:attrName>
+                                        </p:attrNameLst>
+                                      </p:cBhvr>
+                                      <p:to>
+                                        <p:strVal val="visible"/>
+                                      </p:to>
+                                    </p:set>
+                                  </p:childTnLst>
+                                </p:cTn>
+                              </p:par>
+                              <p:par>
+                                <p:cTn id="19" presetID="1" presetClass="entr" presetSubtype="0" fill="hold" nodeType="withEffect">
+                                  <p:stCondLst>
+                                    <p:cond delay="0"/>
+                                  </p:stCondLst>
+                                  <p:childTnLst>
+                                    <p:set>
+                                      <p:cBhvr>
+                                        <p:cTn id="20" dur="1" fill="hold">
+                                          <p:stCondLst>
+                                            <p:cond delay="0"/>
+                                          </p:stCondLst>
+                                        </p:cTn>
+                                        <p:tgtEl>
+                                          <p:spTgt spid="6">
+                                            <p:txEl>
+                                              <p:pRg st="1" end="1"/>
+                                            </p:txEl>
+                                          </p:spTgt>
+                                        </p:tgtEl>
+                                        <p:attrNameLst>
+                                          <p:attrName>style.visibility</p:attrName>
+                                        </p:attrNameLst>
+                                      </p:cBhvr>
+                                      <p:to>
+                                        <p:strVal val="visible"/>
+                                      </p:to>
+                                    </p:set>
+                                  </p:childTnLst>
+                                </p:cTn>
+                              </p:par>
+                              <p:par>
+                                <p:cTn id="21" presetID="1" presetClass="entr" presetSubtype="0" fill="hold" nodeType="withEffect">
+                                  <p:stCondLst>
+                                    <p:cond delay="0"/>
+                                  </p:stCondLst>
+                                  <p:childTnLst>
+                                    <p:set>
+                                      <p:cBhvr>
+                                        <p:cTn id="22" dur="1" fill="hold">
+                                          <p:stCondLst>
+                                            <p:cond delay="0"/>
+                                          </p:stCondLst>
+                                        </p:cTn>
+                                        <p:tgtEl>
+                                          <p:spTgt spid="6">
+                                            <p:txEl>
+                                              <p:pRg st="2" end="2"/>
+                                            </p:txEl>
+                                          </p:spTgt>
+                                        </p:tgtEl>
+                                        <p:attrNameLst>
+                                          <p:attrName>style.visibility</p:attrName>
+                                        </p:attrNameLst>
+                                      </p:cBhvr>
+                                      <p:to>
+                                        <p:strVal val="visible"/>
+                                      </p:to>
+                                    </p:set>
+                                  </p:childTnLst>
+                                </p:cTn>
+                              </p:par>
+                            </p:childTnLst>
+                          </p:cTn>
+                        </p:par>
+                      </p:childTnLst>
+                    </p:cTn>
+                  </p:par>
+                </p:childTnLst>
+              </p:cTn>
+              <p:prevCondLst>
+                <p:cond evt="onPrev" delay="0">
+                  <p:tgtEl>
+                    <p:sldTgt/>
+                  </p:tgtEl>
+                </p:cond>
+              </p:prevCondLst>
+              <p:nextCondLst>
+                <p:cond evt="onNext" delay="0">
+                  <p:tgtEl>
+                    <p:sldTgt/>
+                  </p:tgtEl>
+                </p:cond>
+              </p:nextCondLst>
+            </p:seq>
+          </p:childTnLst>
+        </p:cTn>
+      </p:par>
+    </p:tnLst>
+  </p:timing>
 </p:sld>
 </file>
 
@@ -7504,6 +8181,183 @@
   <p:clrMapOvr>
     <a:masterClrMapping/>
   </p:clrMapOvr>
+  <p:timing>
+    <p:tnLst>
+      <p:par>
+        <p:cTn id="1" dur="indefinite" restart="never" nodeType="tmRoot">
+          <p:childTnLst>
+            <p:seq concurrent="1" nextAc="seek">
+              <p:cTn id="2" dur="indefinite" nodeType="mainSeq">
+                <p:childTnLst>
+                  <p:par>
+                    <p:cTn id="3" fill="hold">
+                      <p:stCondLst>
+                        <p:cond delay="indefinite"/>
+                      </p:stCondLst>
+                      <p:childTnLst>
+                        <p:par>
+                          <p:cTn id="4" fill="hold">
+                            <p:stCondLst>
+                              <p:cond delay="0"/>
+                            </p:stCondLst>
+                            <p:childTnLst>
+                              <p:par>
+                                <p:cTn id="5" presetID="1" presetClass="entr" presetSubtype="0" fill="hold" nodeType="clickEffect">
+                                  <p:stCondLst>
+                                    <p:cond delay="0"/>
+                                  </p:stCondLst>
+                                  <p:childTnLst>
+                                    <p:set>
+                                      <p:cBhvr>
+                                        <p:cTn id="6" dur="1" fill="hold">
+                                          <p:stCondLst>
+                                            <p:cond delay="0"/>
+                                          </p:stCondLst>
+                                        </p:cTn>
+                                        <p:tgtEl>
+                                          <p:spTgt spid="5">
+                                            <p:txEl>
+                                              <p:pRg st="0" end="0"/>
+                                            </p:txEl>
+                                          </p:spTgt>
+                                        </p:tgtEl>
+                                        <p:attrNameLst>
+                                          <p:attrName>style.visibility</p:attrName>
+                                        </p:attrNameLst>
+                                      </p:cBhvr>
+                                      <p:to>
+                                        <p:strVal val="visible"/>
+                                      </p:to>
+                                    </p:set>
+                                  </p:childTnLst>
+                                </p:cTn>
+                              </p:par>
+                            </p:childTnLst>
+                          </p:cTn>
+                        </p:par>
+                      </p:childTnLst>
+                    </p:cTn>
+                  </p:par>
+                  <p:par>
+                    <p:cTn id="7" fill="hold">
+                      <p:stCondLst>
+                        <p:cond delay="indefinite"/>
+                      </p:stCondLst>
+                      <p:childTnLst>
+                        <p:par>
+                          <p:cTn id="8" fill="hold">
+                            <p:stCondLst>
+                              <p:cond delay="0"/>
+                            </p:stCondLst>
+                            <p:childTnLst>
+                              <p:par>
+                                <p:cTn id="9" presetID="1" presetClass="entr" presetSubtype="0" fill="hold" nodeType="clickEffect">
+                                  <p:stCondLst>
+                                    <p:cond delay="0"/>
+                                  </p:stCondLst>
+                                  <p:childTnLst>
+                                    <p:set>
+                                      <p:cBhvr>
+                                        <p:cTn id="10" dur="1" fill="hold">
+                                          <p:stCondLst>
+                                            <p:cond delay="0"/>
+                                          </p:stCondLst>
+                                        </p:cTn>
+                                        <p:tgtEl>
+                                          <p:spTgt spid="5">
+                                            <p:txEl>
+                                              <p:pRg st="1" end="1"/>
+                                            </p:txEl>
+                                          </p:spTgt>
+                                        </p:tgtEl>
+                                        <p:attrNameLst>
+                                          <p:attrName>style.visibility</p:attrName>
+                                        </p:attrNameLst>
+                                      </p:cBhvr>
+                                      <p:to>
+                                        <p:strVal val="visible"/>
+                                      </p:to>
+                                    </p:set>
+                                  </p:childTnLst>
+                                </p:cTn>
+                              </p:par>
+                            </p:childTnLst>
+                          </p:cTn>
+                        </p:par>
+                      </p:childTnLst>
+                    </p:cTn>
+                  </p:par>
+                  <p:par>
+                    <p:cTn id="11" fill="hold">
+                      <p:stCondLst>
+                        <p:cond delay="indefinite"/>
+                      </p:stCondLst>
+                      <p:childTnLst>
+                        <p:par>
+                          <p:cTn id="12" fill="hold">
+                            <p:stCondLst>
+                              <p:cond delay="0"/>
+                            </p:stCondLst>
+                            <p:childTnLst>
+                              <p:par>
+                                <p:cTn id="13" presetID="1" presetClass="entr" presetSubtype="0" fill="hold" nodeType="clickEffect">
+                                  <p:stCondLst>
+                                    <p:cond delay="0"/>
+                                  </p:stCondLst>
+                                  <p:childTnLst>
+                                    <p:set>
+                                      <p:cBhvr>
+                                        <p:cTn id="14" dur="1" fill="hold">
+                                          <p:stCondLst>
+                                            <p:cond delay="0"/>
+                                          </p:stCondLst>
+                                        </p:cTn>
+                                        <p:tgtEl>
+                                          <p:spTgt spid="5">
+                                            <p:txEl>
+                                              <p:pRg st="2" end="2"/>
+                                            </p:txEl>
+                                          </p:spTgt>
+                                        </p:tgtEl>
+                                        <p:attrNameLst>
+                                          <p:attrName>style.visibility</p:attrName>
+                                        </p:attrNameLst>
+                                      </p:cBhvr>
+                                      <p:to>
+                                        <p:strVal val="visible"/>
+                                      </p:to>
+                                    </p:set>
+                                  </p:childTnLst>
+                                </p:cTn>
+                              </p:par>
+                            </p:childTnLst>
+                          </p:cTn>
+                        </p:par>
+                      </p:childTnLst>
+                    </p:cTn>
+                  </p:par>
+                </p:childTnLst>
+              </p:cTn>
+              <p:prevCondLst>
+                <p:cond evt="onPrev" delay="0">
+                  <p:tgtEl>
+                    <p:sldTgt/>
+                  </p:tgtEl>
+                </p:cond>
+              </p:prevCondLst>
+              <p:nextCondLst>
+                <p:cond evt="onNext" delay="0">
+                  <p:tgtEl>
+                    <p:sldTgt/>
+                  </p:tgtEl>
+                </p:cond>
+              </p:nextCondLst>
+            </p:seq>
+          </p:childTnLst>
+        </p:cTn>
+      </p:par>
+    </p:tnLst>
+  </p:timing>
 </p:sld>
 </file>
 

--- a/docs/Dear Diary - Milestone I Presentation.pptx
+++ b/docs/Dear Diary - Milestone I Presentation.pptx
@@ -679,7 +679,7 @@
           <a:p>
             <a:fld id="{43360104-F800-4E31-B753-9F884E127649}" type="datetimeFigureOut">
               <a:rPr lang="de-AT" smtClean="0"/>
-              <a:t>19.09.2022</a:t>
+              <a:t>30.09.2022</a:t>
             </a:fld>
             <a:endParaRPr lang="de-AT"/>
           </a:p>
@@ -1277,7 +1277,7 @@
           <a:p>
             <a:fld id="{43360104-F800-4E31-B753-9F884E127649}" type="datetimeFigureOut">
               <a:rPr lang="de-AT" smtClean="0"/>
-              <a:t>19.09.2022</a:t>
+              <a:t>30.09.2022</a:t>
             </a:fld>
             <a:endParaRPr lang="de-AT"/>
           </a:p>
@@ -1538,7 +1538,7 @@
           <a:p>
             <a:fld id="{43360104-F800-4E31-B753-9F884E127649}" type="datetimeFigureOut">
               <a:rPr lang="de-AT" smtClean="0"/>
-              <a:t>19.09.2022</a:t>
+              <a:t>30.09.2022</a:t>
             </a:fld>
             <a:endParaRPr lang="de-AT"/>
           </a:p>
@@ -1752,7 +1752,7 @@
           <a:p>
             <a:fld id="{43360104-F800-4E31-B753-9F884E127649}" type="datetimeFigureOut">
               <a:rPr lang="de-AT" smtClean="0"/>
-              <a:t>19.09.2022</a:t>
+              <a:t>30.09.2022</a:t>
             </a:fld>
             <a:endParaRPr lang="de-AT"/>
           </a:p>
@@ -1897,7 +1897,7 @@
           <a:p>
             <a:fld id="{43360104-F800-4E31-B753-9F884E127649}" type="datetimeFigureOut">
               <a:rPr lang="de-AT" smtClean="0"/>
-              <a:t>19.09.2022</a:t>
+              <a:t>30.09.2022</a:t>
             </a:fld>
             <a:endParaRPr lang="de-AT"/>
           </a:p>
@@ -2270,7 +2270,7 @@
           <a:p>
             <a:fld id="{43360104-F800-4E31-B753-9F884E127649}" type="datetimeFigureOut">
               <a:rPr lang="de-AT" smtClean="0"/>
-              <a:t>19.09.2022</a:t>
+              <a:t>30.09.2022</a:t>
             </a:fld>
             <a:endParaRPr lang="de-AT"/>
           </a:p>
@@ -2595,7 +2595,7 @@
           <a:p>
             <a:fld id="{43360104-F800-4E31-B753-9F884E127649}" type="datetimeFigureOut">
               <a:rPr lang="de-AT" smtClean="0"/>
-              <a:t>19.09.2022</a:t>
+              <a:t>30.09.2022</a:t>
             </a:fld>
             <a:endParaRPr lang="de-AT"/>
           </a:p>
@@ -2845,7 +2845,7 @@
           <a:p>
             <a:fld id="{43360104-F800-4E31-B753-9F884E127649}" type="datetimeFigureOut">
               <a:rPr lang="de-AT" smtClean="0"/>
-              <a:t>19.09.2022</a:t>
+              <a:t>30.09.2022</a:t>
             </a:fld>
             <a:endParaRPr lang="de-AT"/>
           </a:p>
@@ -3391,7 +3391,7 @@
           <a:p>
             <a:fld id="{43360104-F800-4E31-B753-9F884E127649}" type="datetimeFigureOut">
               <a:rPr lang="de-AT" smtClean="0"/>
-              <a:t>19.09.2022</a:t>
+              <a:t>30.09.2022</a:t>
             </a:fld>
             <a:endParaRPr lang="de-AT"/>
           </a:p>
@@ -3841,7 +3841,7 @@
           <a:p>
             <a:fld id="{43360104-F800-4E31-B753-9F884E127649}" type="datetimeFigureOut">
               <a:rPr lang="de-AT" smtClean="0"/>
-              <a:t>19.09.2022</a:t>
+              <a:t>30.09.2022</a:t>
             </a:fld>
             <a:endParaRPr lang="de-AT"/>
           </a:p>
@@ -4015,7 +4015,7 @@
           <a:p>
             <a:fld id="{43360104-F800-4E31-B753-9F884E127649}" type="datetimeFigureOut">
               <a:rPr lang="de-AT" smtClean="0"/>
-              <a:t>19.09.2022</a:t>
+              <a:t>30.09.2022</a:t>
             </a:fld>
             <a:endParaRPr lang="de-AT"/>
           </a:p>
@@ -4496,7 +4496,7 @@
           <a:p>
             <a:fld id="{43360104-F800-4E31-B753-9F884E127649}" type="datetimeFigureOut">
               <a:rPr lang="de-AT" smtClean="0"/>
-              <a:t>19.09.2022</a:t>
+              <a:t>30.09.2022</a:t>
             </a:fld>
             <a:endParaRPr lang="de-AT"/>
           </a:p>
@@ -4800,7 +4800,7 @@
           <a:p>
             <a:fld id="{43360104-F800-4E31-B753-9F884E127649}" type="datetimeFigureOut">
               <a:rPr lang="de-AT" smtClean="0"/>
-              <a:t>19.09.2022</a:t>
+              <a:t>30.09.2022</a:t>
             </a:fld>
             <a:endParaRPr lang="de-AT"/>
           </a:p>
@@ -5281,7 +5281,7 @@
           <a:p>
             <a:fld id="{43360104-F800-4E31-B753-9F884E127649}" type="datetimeFigureOut">
               <a:rPr lang="de-AT" smtClean="0"/>
-              <a:t>19.09.2022</a:t>
+              <a:t>30.09.2022</a:t>
             </a:fld>
             <a:endParaRPr lang="de-AT"/>
           </a:p>
@@ -5536,7 +5536,7 @@
           <a:p>
             <a:fld id="{43360104-F800-4E31-B753-9F884E127649}" type="datetimeFigureOut">
               <a:rPr lang="de-AT" smtClean="0"/>
-              <a:t>19.09.2022</a:t>
+              <a:t>30.09.2022</a:t>
             </a:fld>
             <a:endParaRPr lang="de-AT"/>
           </a:p>
@@ -6223,7 +6223,7 @@
         <p:spPr/>
         <p:txBody>
           <a:bodyPr>
-            <a:normAutofit fontScale="85000" lnSpcReduction="20000"/>
+            <a:normAutofit fontScale="77500" lnSpcReduction="20000"/>
           </a:bodyPr>
           <a:lstStyle/>
           <a:p>
@@ -6284,39 +6284,93 @@
             <a:pPr lvl="1"/>
             <a:r>
               <a:rPr lang="en-US" dirty="0"/>
+              <a:t>Automatically put the memories in the correct sections</a:t>
+            </a:r>
+          </a:p>
+          <a:p>
+            <a:pPr lvl="1"/>
+            <a:r>
+              <a:rPr lang="en-US" dirty="0"/>
+              <a:t>Clicking trough memories</a:t>
+            </a:r>
+          </a:p>
+          <a:p>
+            <a:pPr lvl="1"/>
+            <a:r>
+              <a:rPr lang="en-US" dirty="0"/>
               <a:t>Created and styled popup to enter new memories</a:t>
             </a:r>
           </a:p>
+        </p:txBody>
+      </p:sp>
+      <p:sp>
+        <p:nvSpPr>
+          <p:cNvPr id="8" name="Inhaltsplatzhalter 7">
+            <a:extLst>
+              <a:ext uri="{FF2B5EF4-FFF2-40B4-BE49-F238E27FC236}">
+                <a16:creationId xmlns:a16="http://schemas.microsoft.com/office/drawing/2014/main" id="{B2D35CD0-F9C9-9286-72DD-8C47BA55E387}"/>
+              </a:ext>
+            </a:extLst>
+          </p:cNvPr>
+          <p:cNvSpPr>
+            <a:spLocks noGrp="1"/>
+          </p:cNvSpPr>
+          <p:nvPr>
+            <p:ph sz="half" idx="2"/>
+          </p:nvPr>
+        </p:nvSpPr>
+        <p:spPr/>
+        <p:txBody>
+          <a:bodyPr>
+            <a:normAutofit fontScale="77500" lnSpcReduction="20000"/>
+          </a:bodyPr>
+          <a:lstStyle/>
           <a:p>
             <a:r>
               <a:rPr lang="en-US" dirty="0"/>
               <a:t>Responsive styling</a:t>
             </a:r>
           </a:p>
-        </p:txBody>
-      </p:sp>
-      <p:sp>
-        <p:nvSpPr>
-          <p:cNvPr id="8" name="Inhaltsplatzhalter 7">
-            <a:extLst>
-              <a:ext uri="{FF2B5EF4-FFF2-40B4-BE49-F238E27FC236}">
-                <a16:creationId xmlns:a16="http://schemas.microsoft.com/office/drawing/2014/main" id="{B2D35CD0-F9C9-9286-72DD-8C47BA55E387}"/>
-              </a:ext>
-            </a:extLst>
-          </p:cNvPr>
-          <p:cNvSpPr>
-            <a:spLocks noGrp="1"/>
-          </p:cNvSpPr>
-          <p:nvPr>
-            <p:ph sz="half" idx="2"/>
-          </p:nvPr>
-        </p:nvSpPr>
-        <p:spPr/>
-        <p:txBody>
-          <a:bodyPr/>
-          <a:lstStyle/>
-          <a:p>
-            <a:endParaRPr lang="en-US"/>
+          <a:p>
+            <a:r>
+              <a:rPr lang="en-US" dirty="0" err="1"/>
+              <a:t>Sqlite</a:t>
+            </a:r>
+            <a:endParaRPr lang="en-US" dirty="0"/>
+          </a:p>
+          <a:p>
+            <a:pPr lvl="1"/>
+            <a:r>
+              <a:rPr lang="en-US" dirty="0"/>
+              <a:t>Created </a:t>
+            </a:r>
+            <a:r>
+              <a:rPr lang="en-US" dirty="0" err="1"/>
+              <a:t>Sqlite</a:t>
+            </a:r>
+            <a:r>
+              <a:rPr lang="en-US" dirty="0"/>
+              <a:t> </a:t>
+            </a:r>
+            <a:r>
+              <a:rPr lang="en-US" dirty="0" err="1"/>
+              <a:t>db</a:t>
+            </a:r>
+            <a:r>
+              <a:rPr lang="en-US" dirty="0"/>
+              <a:t> with tables</a:t>
+            </a:r>
+          </a:p>
+          <a:p>
+            <a:pPr lvl="1"/>
+            <a:r>
+              <a:rPr lang="en-US" dirty="0" err="1"/>
+              <a:t>Sqlite</a:t>
+            </a:r>
+            <a:r>
+              <a:rPr lang="en-US" dirty="0"/>
+              <a:t> connection</a:t>
+            </a:r>
           </a:p>
         </p:txBody>
       </p:sp>
@@ -6761,6 +6815,233 @@
                       </p:childTnLst>
                     </p:cTn>
                   </p:par>
+                  <p:par>
+                    <p:cTn id="37" fill="hold">
+                      <p:stCondLst>
+                        <p:cond delay="indefinite"/>
+                      </p:stCondLst>
+                      <p:childTnLst>
+                        <p:par>
+                          <p:cTn id="38" fill="hold">
+                            <p:stCondLst>
+                              <p:cond delay="0"/>
+                            </p:stCondLst>
+                            <p:childTnLst>
+                              <p:par>
+                                <p:cTn id="39" presetID="1" presetClass="entr" presetSubtype="0" fill="hold" nodeType="clickEffect">
+                                  <p:stCondLst>
+                                    <p:cond delay="0"/>
+                                  </p:stCondLst>
+                                  <p:childTnLst>
+                                    <p:set>
+                                      <p:cBhvr>
+                                        <p:cTn id="40" dur="1" fill="hold">
+                                          <p:stCondLst>
+                                            <p:cond delay="0"/>
+                                          </p:stCondLst>
+                                        </p:cTn>
+                                        <p:tgtEl>
+                                          <p:spTgt spid="3">
+                                            <p:txEl>
+                                              <p:pRg st="10" end="10"/>
+                                            </p:txEl>
+                                          </p:spTgt>
+                                        </p:tgtEl>
+                                        <p:attrNameLst>
+                                          <p:attrName>style.visibility</p:attrName>
+                                        </p:attrNameLst>
+                                      </p:cBhvr>
+                                      <p:to>
+                                        <p:strVal val="visible"/>
+                                      </p:to>
+                                    </p:set>
+                                  </p:childTnLst>
+                                </p:cTn>
+                              </p:par>
+                            </p:childTnLst>
+                          </p:cTn>
+                        </p:par>
+                      </p:childTnLst>
+                    </p:cTn>
+                  </p:par>
+                  <p:par>
+                    <p:cTn id="41" fill="hold">
+                      <p:stCondLst>
+                        <p:cond delay="indefinite"/>
+                      </p:stCondLst>
+                      <p:childTnLst>
+                        <p:par>
+                          <p:cTn id="42" fill="hold">
+                            <p:stCondLst>
+                              <p:cond delay="0"/>
+                            </p:stCondLst>
+                            <p:childTnLst>
+                              <p:par>
+                                <p:cTn id="43" presetID="1" presetClass="entr" presetSubtype="0" fill="hold" nodeType="clickEffect">
+                                  <p:stCondLst>
+                                    <p:cond delay="0"/>
+                                  </p:stCondLst>
+                                  <p:childTnLst>
+                                    <p:set>
+                                      <p:cBhvr>
+                                        <p:cTn id="44" dur="1" fill="hold">
+                                          <p:stCondLst>
+                                            <p:cond delay="0"/>
+                                          </p:stCondLst>
+                                        </p:cTn>
+                                        <p:tgtEl>
+                                          <p:spTgt spid="8">
+                                            <p:txEl>
+                                              <p:pRg st="0" end="0"/>
+                                            </p:txEl>
+                                          </p:spTgt>
+                                        </p:tgtEl>
+                                        <p:attrNameLst>
+                                          <p:attrName>style.visibility</p:attrName>
+                                        </p:attrNameLst>
+                                      </p:cBhvr>
+                                      <p:to>
+                                        <p:strVal val="visible"/>
+                                      </p:to>
+                                    </p:set>
+                                  </p:childTnLst>
+                                </p:cTn>
+                              </p:par>
+                            </p:childTnLst>
+                          </p:cTn>
+                        </p:par>
+                      </p:childTnLst>
+                    </p:cTn>
+                  </p:par>
+                  <p:par>
+                    <p:cTn id="45" fill="hold">
+                      <p:stCondLst>
+                        <p:cond delay="indefinite"/>
+                      </p:stCondLst>
+                      <p:childTnLst>
+                        <p:par>
+                          <p:cTn id="46" fill="hold">
+                            <p:stCondLst>
+                              <p:cond delay="0"/>
+                            </p:stCondLst>
+                            <p:childTnLst>
+                              <p:par>
+                                <p:cTn id="47" presetID="1" presetClass="entr" presetSubtype="0" fill="hold" nodeType="clickEffect">
+                                  <p:stCondLst>
+                                    <p:cond delay="0"/>
+                                  </p:stCondLst>
+                                  <p:childTnLst>
+                                    <p:set>
+                                      <p:cBhvr>
+                                        <p:cTn id="48" dur="1" fill="hold">
+                                          <p:stCondLst>
+                                            <p:cond delay="0"/>
+                                          </p:stCondLst>
+                                        </p:cTn>
+                                        <p:tgtEl>
+                                          <p:spTgt spid="8">
+                                            <p:txEl>
+                                              <p:pRg st="1" end="1"/>
+                                            </p:txEl>
+                                          </p:spTgt>
+                                        </p:tgtEl>
+                                        <p:attrNameLst>
+                                          <p:attrName>style.visibility</p:attrName>
+                                        </p:attrNameLst>
+                                      </p:cBhvr>
+                                      <p:to>
+                                        <p:strVal val="visible"/>
+                                      </p:to>
+                                    </p:set>
+                                  </p:childTnLst>
+                                </p:cTn>
+                              </p:par>
+                              <p:par>
+                                <p:cTn id="49" presetID="1" presetClass="entr" presetSubtype="0" fill="hold" nodeType="withEffect">
+                                  <p:stCondLst>
+                                    <p:cond delay="0"/>
+                                  </p:stCondLst>
+                                  <p:childTnLst>
+                                    <p:set>
+                                      <p:cBhvr>
+                                        <p:cTn id="50" dur="1" fill="hold">
+                                          <p:stCondLst>
+                                            <p:cond delay="0"/>
+                                          </p:stCondLst>
+                                        </p:cTn>
+                                        <p:tgtEl>
+                                          <p:spTgt spid="8">
+                                            <p:txEl>
+                                              <p:pRg st="2" end="2"/>
+                                            </p:txEl>
+                                          </p:spTgt>
+                                        </p:tgtEl>
+                                        <p:attrNameLst>
+                                          <p:attrName>style.visibility</p:attrName>
+                                        </p:attrNameLst>
+                                      </p:cBhvr>
+                                      <p:to>
+                                        <p:strVal val="visible"/>
+                                      </p:to>
+                                    </p:set>
+                                  </p:childTnLst>
+                                </p:cTn>
+                              </p:par>
+                            </p:childTnLst>
+                          </p:cTn>
+                        </p:par>
+                      </p:childTnLst>
+                    </p:cTn>
+                  </p:par>
+                  <p:par>
+                    <p:cTn id="51" fill="hold">
+                      <p:stCondLst>
+                        <p:cond delay="indefinite"/>
+                      </p:stCondLst>
+                      <p:childTnLst>
+                        <p:par>
+                          <p:cTn id="52" fill="hold">
+                            <p:stCondLst>
+                              <p:cond delay="0"/>
+                            </p:stCondLst>
+                            <p:childTnLst>
+                              <p:par>
+                                <p:cTn id="53" presetID="1" presetClass="entr" presetSubtype="0" fill="hold" nodeType="clickEffect">
+                                  <p:stCondLst>
+                                    <p:cond delay="0"/>
+                                  </p:stCondLst>
+                                  <p:childTnLst>
+                                    <p:set>
+                                      <p:cBhvr>
+                                        <p:cTn id="54" dur="1" fill="hold">
+                                          <p:stCondLst>
+                                            <p:cond delay="0"/>
+                                          </p:stCondLst>
+                                        </p:cTn>
+                                        <p:tgtEl>
+                                          <p:spTgt spid="8">
+                                            <p:txEl>
+                                              <p:pRg st="3" end="3"/>
+                                            </p:txEl>
+                                          </p:spTgt>
+                                        </p:tgtEl>
+                                        <p:attrNameLst>
+                                          <p:attrName>style.visibility</p:attrName>
+                                        </p:attrNameLst>
+                                      </p:cBhvr>
+                                      <p:to>
+                                        <p:strVal val="visible"/>
+                                      </p:to>
+                                    </p:set>
+                                  </p:childTnLst>
+                                </p:cTn>
+                              </p:par>
+                            </p:childTnLst>
+                          </p:cTn>
+                        </p:par>
+                      </p:childTnLst>
+                    </p:cTn>
+                  </p:par>
                 </p:childTnLst>
               </p:cTn>
               <p:prevCondLst>
@@ -8157,16 +8438,6 @@
               <a:buFont typeface="Arial" panose="020B0604020202020204" pitchFamily="34" charset="0"/>
               <a:buChar char="•"/>
             </a:pPr>
-            <a:r>
-              <a:rPr lang="en-US" dirty="0"/>
-              <a:t>Model View Controller for memories</a:t>
-            </a:r>
-          </a:p>
-          <a:p>
-            <a:pPr marL="342900" indent="-342900">
-              <a:buFont typeface="Arial" panose="020B0604020202020204" pitchFamily="34" charset="0"/>
-              <a:buChar char="•"/>
-            </a:pPr>
             <a:endParaRPr lang="en-US" dirty="0"/>
           </a:p>
         </p:txBody>
@@ -8267,55 +8538,6 @@
                                           <p:spTgt spid="5">
                                             <p:txEl>
                                               <p:pRg st="1" end="1"/>
-                                            </p:txEl>
-                                          </p:spTgt>
-                                        </p:tgtEl>
-                                        <p:attrNameLst>
-                                          <p:attrName>style.visibility</p:attrName>
-                                        </p:attrNameLst>
-                                      </p:cBhvr>
-                                      <p:to>
-                                        <p:strVal val="visible"/>
-                                      </p:to>
-                                    </p:set>
-                                  </p:childTnLst>
-                                </p:cTn>
-                              </p:par>
-                            </p:childTnLst>
-                          </p:cTn>
-                        </p:par>
-                      </p:childTnLst>
-                    </p:cTn>
-                  </p:par>
-                  <p:par>
-                    <p:cTn id="11" fill="hold">
-                      <p:stCondLst>
-                        <p:cond delay="indefinite"/>
-                      </p:stCondLst>
-                      <p:childTnLst>
-                        <p:par>
-                          <p:cTn id="12" fill="hold">
-                            <p:stCondLst>
-                              <p:cond delay="0"/>
-                            </p:stCondLst>
-                            <p:childTnLst>
-                              <p:par>
-                                <p:cTn id="13" presetID="1" presetClass="entr" presetSubtype="0" fill="hold" nodeType="clickEffect">
-                                  <p:stCondLst>
-                                    <p:cond delay="0"/>
-                                  </p:stCondLst>
-                                  <p:childTnLst>
-                                    <p:set>
-                                      <p:cBhvr>
-                                        <p:cTn id="14" dur="1" fill="hold">
-                                          <p:stCondLst>
-                                            <p:cond delay="0"/>
-                                          </p:stCondLst>
-                                        </p:cTn>
-                                        <p:tgtEl>
-                                          <p:spTgt spid="5">
-                                            <p:txEl>
-                                              <p:pRg st="2" end="2"/>
                                             </p:txEl>
                                           </p:spTgt>
                                         </p:tgtEl>

--- a/docs/Dear Diary - Milestone I Presentation.pptx
+++ b/docs/Dear Diary - Milestone I Presentation.pptx
@@ -7317,7 +7317,7 @@
         </p:spPr>
         <p:txBody>
           <a:bodyPr>
-            <a:normAutofit fontScale="85000" lnSpcReduction="20000"/>
+            <a:normAutofit fontScale="62500" lnSpcReduction="20000"/>
           </a:bodyPr>
           <a:lstStyle/>
           <a:p>
@@ -7352,6 +7352,18 @@
             <a:r>
               <a:rPr lang="en-US" dirty="0"/>
               <a:t>Saving memories</a:t>
+            </a:r>
+          </a:p>
+          <a:p>
+            <a:r>
+              <a:rPr lang="en-US" dirty="0"/>
+              <a:t>Editing memories</a:t>
+            </a:r>
+          </a:p>
+          <a:p>
+            <a:r>
+              <a:rPr lang="en-US" dirty="0"/>
+              <a:t>Deleting memories</a:t>
             </a:r>
           </a:p>
           <a:p>
@@ -7605,26 +7617,39 @@
                                   </p:childTnLst>
                                 </p:cTn>
                               </p:par>
-                            </p:childTnLst>
-                          </p:cTn>
-                        </p:par>
-                      </p:childTnLst>
-                    </p:cTn>
-                  </p:par>
-                  <p:par>
-                    <p:cTn id="17" fill="hold">
-                      <p:stCondLst>
-                        <p:cond delay="indefinite"/>
-                      </p:stCondLst>
-                      <p:childTnLst>
-                        <p:par>
-                          <p:cTn id="18" fill="hold">
-                            <p:stCondLst>
-                              <p:cond delay="0"/>
-                            </p:stCondLst>
-                            <p:childTnLst>
                               <p:par>
-                                <p:cTn id="19" presetID="1" presetClass="entr" presetSubtype="0" fill="hold" nodeType="clickEffect">
+                                <p:cTn id="17" presetID="1" presetClass="entr" presetSubtype="0" fill="hold" nodeType="withEffect">
+                                  <p:stCondLst>
+                                    <p:cond delay="0"/>
+                                  </p:stCondLst>
+                                  <p:childTnLst>
+                                    <p:set>
+                                      <p:cBhvr>
+                                        <p:cTn id="18" dur="1" fill="hold">
+                                          <p:stCondLst>
+                                            <p:cond delay="0"/>
+                                          </p:stCondLst>
+                                        </p:cTn>
+                                        <p:tgtEl>
+                                          <p:spTgt spid="5">
+                                            <p:txEl>
+                                              <p:pRg st="6" end="6"/>
+                                            </p:txEl>
+                                          </p:spTgt>
+                                        </p:tgtEl>
+                                        <p:attrNameLst>
+                                          <p:attrName>style.visibility</p:attrName>
+                                        </p:attrNameLst>
+                                      </p:cBhvr>
+                                      <p:to>
+                                        <p:strVal val="visible"/>
+                                      </p:to>
+                                    </p:set>
+                                  </p:childTnLst>
+                                </p:cTn>
+                              </p:par>
+                              <p:par>
+                                <p:cTn id="19" presetID="1" presetClass="entr" presetSubtype="0" fill="hold" nodeType="withEffect">
                                   <p:stCondLst>
                                     <p:cond delay="0"/>
                                   </p:stCondLst>
@@ -7654,15 +7679,33 @@
                                   </p:childTnLst>
                                 </p:cTn>
                               </p:par>
+                            </p:childTnLst>
+                          </p:cTn>
+                        </p:par>
+                      </p:childTnLst>
+                    </p:cTn>
+                  </p:par>
+                  <p:par>
+                    <p:cTn id="21" fill="hold">
+                      <p:stCondLst>
+                        <p:cond delay="indefinite"/>
+                      </p:stCondLst>
+                      <p:childTnLst>
+                        <p:par>
+                          <p:cTn id="22" fill="hold">
+                            <p:stCondLst>
+                              <p:cond delay="0"/>
+                            </p:stCondLst>
+                            <p:childTnLst>
                               <p:par>
-                                <p:cTn id="21" presetID="1" presetClass="entr" presetSubtype="0" fill="hold" nodeType="withEffect">
+                                <p:cTn id="23" presetID="1" presetClass="entr" presetSubtype="0" fill="hold" nodeType="clickEffect">
                                   <p:stCondLst>
                                     <p:cond delay="0"/>
                                   </p:stCondLst>
                                   <p:childTnLst>
                                     <p:set>
                                       <p:cBhvr>
-                                        <p:cTn id="22" dur="1" fill="hold">
+                                        <p:cTn id="24" dur="1" fill="hold">
                                           <p:stCondLst>
                                             <p:cond delay="0"/>
                                           </p:stCondLst>
@@ -7670,7 +7713,38 @@
                                         <p:tgtEl>
                                           <p:spTgt spid="5">
                                             <p:txEl>
-                                              <p:pRg st="8" end="8"/>
+                                              <p:pRg st="9" end="9"/>
+                                            </p:txEl>
+                                          </p:spTgt>
+                                        </p:tgtEl>
+                                        <p:attrNameLst>
+                                          <p:attrName>style.visibility</p:attrName>
+                                        </p:attrNameLst>
+                                      </p:cBhvr>
+                                      <p:to>
+                                        <p:strVal val="visible"/>
+                                      </p:to>
+                                    </p:set>
+                                  </p:childTnLst>
+                                </p:cTn>
+                              </p:par>
+                              <p:par>
+                                <p:cTn id="25" presetID="1" presetClass="entr" presetSubtype="0" fill="hold" nodeType="withEffect">
+                                  <p:stCondLst>
+                                    <p:cond delay="0"/>
+                                  </p:stCondLst>
+                                  <p:childTnLst>
+                                    <p:set>
+                                      <p:cBhvr>
+                                        <p:cTn id="26" dur="1" fill="hold">
+                                          <p:stCondLst>
+                                            <p:cond delay="0"/>
+                                          </p:stCondLst>
+                                        </p:cTn>
+                                        <p:tgtEl>
+                                          <p:spTgt spid="5">
+                                            <p:txEl>
+                                              <p:pRg st="10" end="10"/>
                                             </p:txEl>
                                           </p:spTgt>
                                         </p:tgtEl>
@@ -7692,26 +7766,26 @@
                     </p:cTn>
                   </p:par>
                   <p:par>
-                    <p:cTn id="23" fill="hold">
+                    <p:cTn id="27" fill="hold">
                       <p:stCondLst>
                         <p:cond delay="indefinite"/>
                       </p:stCondLst>
                       <p:childTnLst>
                         <p:par>
-                          <p:cTn id="24" fill="hold">
+                          <p:cTn id="28" fill="hold">
                             <p:stCondLst>
                               <p:cond delay="0"/>
                             </p:stCondLst>
                             <p:childTnLst>
                               <p:par>
-                                <p:cTn id="25" presetID="1" presetClass="entr" presetSubtype="0" fill="hold" nodeType="clickEffect">
+                                <p:cTn id="29" presetID="1" presetClass="entr" presetSubtype="0" fill="hold" nodeType="clickEffect">
                                   <p:stCondLst>
                                     <p:cond delay="0"/>
                                   </p:stCondLst>
                                   <p:childTnLst>
                                     <p:set>
                                       <p:cBhvr>
-                                        <p:cTn id="26" dur="1" fill="hold">
+                                        <p:cTn id="30" dur="1" fill="hold">
                                           <p:stCondLst>
                                             <p:cond delay="0"/>
                                           </p:stCondLst>
@@ -7719,7 +7793,7 @@
                                         <p:tgtEl>
                                           <p:spTgt spid="5">
                                             <p:txEl>
-                                              <p:pRg st="9" end="9"/>
+                                              <p:pRg st="11" end="11"/>
                                             </p:txEl>
                                           </p:spTgt>
                                         </p:tgtEl>

--- a/docs/Dear Diary - Milestone I Presentation.pptx
+++ b/docs/Dear Diary - Milestone I Presentation.pptx
@@ -679,7 +679,7 @@
           <a:p>
             <a:fld id="{43360104-F800-4E31-B753-9F884E127649}" type="datetimeFigureOut">
               <a:rPr lang="de-AT" smtClean="0"/>
-              <a:t>30.09.2022</a:t>
+              <a:t>03.10.2022</a:t>
             </a:fld>
             <a:endParaRPr lang="de-AT"/>
           </a:p>
@@ -1277,7 +1277,7 @@
           <a:p>
             <a:fld id="{43360104-F800-4E31-B753-9F884E127649}" type="datetimeFigureOut">
               <a:rPr lang="de-AT" smtClean="0"/>
-              <a:t>30.09.2022</a:t>
+              <a:t>03.10.2022</a:t>
             </a:fld>
             <a:endParaRPr lang="de-AT"/>
           </a:p>
@@ -1538,7 +1538,7 @@
           <a:p>
             <a:fld id="{43360104-F800-4E31-B753-9F884E127649}" type="datetimeFigureOut">
               <a:rPr lang="de-AT" smtClean="0"/>
-              <a:t>30.09.2022</a:t>
+              <a:t>03.10.2022</a:t>
             </a:fld>
             <a:endParaRPr lang="de-AT"/>
           </a:p>
@@ -1752,7 +1752,7 @@
           <a:p>
             <a:fld id="{43360104-F800-4E31-B753-9F884E127649}" type="datetimeFigureOut">
               <a:rPr lang="de-AT" smtClean="0"/>
-              <a:t>30.09.2022</a:t>
+              <a:t>03.10.2022</a:t>
             </a:fld>
             <a:endParaRPr lang="de-AT"/>
           </a:p>
@@ -1897,7 +1897,7 @@
           <a:p>
             <a:fld id="{43360104-F800-4E31-B753-9F884E127649}" type="datetimeFigureOut">
               <a:rPr lang="de-AT" smtClean="0"/>
-              <a:t>30.09.2022</a:t>
+              <a:t>03.10.2022</a:t>
             </a:fld>
             <a:endParaRPr lang="de-AT"/>
           </a:p>
@@ -2270,7 +2270,7 @@
           <a:p>
             <a:fld id="{43360104-F800-4E31-B753-9F884E127649}" type="datetimeFigureOut">
               <a:rPr lang="de-AT" smtClean="0"/>
-              <a:t>30.09.2022</a:t>
+              <a:t>03.10.2022</a:t>
             </a:fld>
             <a:endParaRPr lang="de-AT"/>
           </a:p>
@@ -2595,7 +2595,7 @@
           <a:p>
             <a:fld id="{43360104-F800-4E31-B753-9F884E127649}" type="datetimeFigureOut">
               <a:rPr lang="de-AT" smtClean="0"/>
-              <a:t>30.09.2022</a:t>
+              <a:t>03.10.2022</a:t>
             </a:fld>
             <a:endParaRPr lang="de-AT"/>
           </a:p>
@@ -2845,7 +2845,7 @@
           <a:p>
             <a:fld id="{43360104-F800-4E31-B753-9F884E127649}" type="datetimeFigureOut">
               <a:rPr lang="de-AT" smtClean="0"/>
-              <a:t>30.09.2022</a:t>
+              <a:t>03.10.2022</a:t>
             </a:fld>
             <a:endParaRPr lang="de-AT"/>
           </a:p>
@@ -3391,7 +3391,7 @@
           <a:p>
             <a:fld id="{43360104-F800-4E31-B753-9F884E127649}" type="datetimeFigureOut">
               <a:rPr lang="de-AT" smtClean="0"/>
-              <a:t>30.09.2022</a:t>
+              <a:t>03.10.2022</a:t>
             </a:fld>
             <a:endParaRPr lang="de-AT"/>
           </a:p>
@@ -3841,7 +3841,7 @@
           <a:p>
             <a:fld id="{43360104-F800-4E31-B753-9F884E127649}" type="datetimeFigureOut">
               <a:rPr lang="de-AT" smtClean="0"/>
-              <a:t>30.09.2022</a:t>
+              <a:t>03.10.2022</a:t>
             </a:fld>
             <a:endParaRPr lang="de-AT"/>
           </a:p>
@@ -4015,7 +4015,7 @@
           <a:p>
             <a:fld id="{43360104-F800-4E31-B753-9F884E127649}" type="datetimeFigureOut">
               <a:rPr lang="de-AT" smtClean="0"/>
-              <a:t>30.09.2022</a:t>
+              <a:t>03.10.2022</a:t>
             </a:fld>
             <a:endParaRPr lang="de-AT"/>
           </a:p>
@@ -4496,7 +4496,7 @@
           <a:p>
             <a:fld id="{43360104-F800-4E31-B753-9F884E127649}" type="datetimeFigureOut">
               <a:rPr lang="de-AT" smtClean="0"/>
-              <a:t>30.09.2022</a:t>
+              <a:t>03.10.2022</a:t>
             </a:fld>
             <a:endParaRPr lang="de-AT"/>
           </a:p>
@@ -4800,7 +4800,7 @@
           <a:p>
             <a:fld id="{43360104-F800-4E31-B753-9F884E127649}" type="datetimeFigureOut">
               <a:rPr lang="de-AT" smtClean="0"/>
-              <a:t>30.09.2022</a:t>
+              <a:t>03.10.2022</a:t>
             </a:fld>
             <a:endParaRPr lang="de-AT"/>
           </a:p>
@@ -5281,7 +5281,7 @@
           <a:p>
             <a:fld id="{43360104-F800-4E31-B753-9F884E127649}" type="datetimeFigureOut">
               <a:rPr lang="de-AT" smtClean="0"/>
-              <a:t>30.09.2022</a:t>
+              <a:t>03.10.2022</a:t>
             </a:fld>
             <a:endParaRPr lang="de-AT"/>
           </a:p>
@@ -5536,7 +5536,7 @@
           <a:p>
             <a:fld id="{43360104-F800-4E31-B753-9F884E127649}" type="datetimeFigureOut">
               <a:rPr lang="de-AT" smtClean="0"/>
-              <a:t>30.09.2022</a:t>
+              <a:t>03.10.2022</a:t>
             </a:fld>
             <a:endParaRPr lang="de-AT"/>
           </a:p>
@@ -7128,34 +7128,6 @@
       </p:sp>
       <p:pic>
         <p:nvPicPr>
-          <p:cNvPr id="18" name="Inhaltsplatzhalter 17">
-            <a:extLst>
-              <a:ext uri="{FF2B5EF4-FFF2-40B4-BE49-F238E27FC236}">
-                <a16:creationId xmlns:a16="http://schemas.microsoft.com/office/drawing/2014/main" id="{2F6BF837-03FE-2C2A-4992-DF59C1092FAE}"/>
-              </a:ext>
-            </a:extLst>
-          </p:cNvPr>
-          <p:cNvPicPr>
-            <a:picLocks noGrp="1" noChangeAspect="1"/>
-          </p:cNvPicPr>
-          <p:nvPr>
-            <p:ph idx="1"/>
-          </p:nvPr>
-        </p:nvPicPr>
-        <p:blipFill rotWithShape="1">
-          <a:blip r:embed="rId3"/>
-          <a:srcRect r="12579"/>
-          <a:stretch/>
-        </p:blipFill>
-        <p:spPr>
-          <a:xfrm>
-            <a:off x="838199" y="1690688"/>
-            <a:ext cx="4847493" cy="4455736"/>
-          </a:xfrm>
-        </p:spPr>
-      </p:pic>
-      <p:pic>
-        <p:nvPicPr>
           <p:cNvPr id="20" name="Grafik 19">
             <a:extLst>
               <a:ext uri="{FF2B5EF4-FFF2-40B4-BE49-F238E27FC236}">
@@ -7169,15 +7141,15 @@
           <p:nvPr/>
         </p:nvPicPr>
         <p:blipFill>
-          <a:blip r:embed="rId4"/>
+          <a:blip r:embed="rId3"/>
           <a:stretch>
             <a:fillRect/>
           </a:stretch>
         </p:blipFill>
         <p:spPr>
           <a:xfrm>
-            <a:off x="5764801" y="2269582"/>
-            <a:ext cx="5588999" cy="3627476"/>
+            <a:off x="5739392" y="2213764"/>
+            <a:ext cx="5132735" cy="3331343"/>
           </a:xfrm>
           <a:prstGeom prst="rect">
             <a:avLst/>
@@ -7230,6 +7202,36 @@
           </a:fontRef>
         </p:style>
       </p:cxnSp>
+      <p:pic>
+        <p:nvPicPr>
+          <p:cNvPr id="6" name="Grafik 5">
+            <a:extLst>
+              <a:ext uri="{FF2B5EF4-FFF2-40B4-BE49-F238E27FC236}">
+                <a16:creationId xmlns:a16="http://schemas.microsoft.com/office/drawing/2014/main" id="{220C099D-A13A-4222-187E-43FCF2DC4B29}"/>
+              </a:ext>
+            </a:extLst>
+          </p:cNvPr>
+          <p:cNvPicPr>
+            <a:picLocks noChangeAspect="1"/>
+          </p:cNvPicPr>
+          <p:nvPr/>
+        </p:nvPicPr>
+        <p:blipFill>
+          <a:blip r:embed="rId4"/>
+          <a:stretch>
+            <a:fillRect/>
+          </a:stretch>
+        </p:blipFill>
+        <p:spPr>
+          <a:xfrm>
+            <a:off x="584298" y="1690688"/>
+            <a:ext cx="5132738" cy="4947854"/>
+          </a:xfrm>
+          <a:prstGeom prst="rect">
+            <a:avLst/>
+          </a:prstGeom>
+        </p:spPr>
+      </p:pic>
     </p:spTree>
     <p:extLst>
       <p:ext uri="{BB962C8B-B14F-4D97-AF65-F5344CB8AC3E}">

--- a/docs/Dear Diary - Milestone I Presentation.pptx
+++ b/docs/Dear Diary - Milestone I Presentation.pptx
@@ -7319,13 +7319,13 @@
         </p:spPr>
         <p:txBody>
           <a:bodyPr>
-            <a:normAutofit fontScale="62500" lnSpcReduction="20000"/>
+            <a:normAutofit fontScale="70000" lnSpcReduction="20000"/>
           </a:bodyPr>
           <a:lstStyle/>
           <a:p>
             <a:r>
               <a:rPr lang="en-US" dirty="0"/>
-              <a:t>Remove Arrow (last and first element)</a:t>
+              <a:t>Remove Arrow (last/first element)</a:t>
             </a:r>
           </a:p>
           <a:p>
@@ -7338,16 +7338,6 @@
             <a:r>
               <a:rPr lang="en-US" dirty="0"/>
               <a:t>Tagging (Locations, activities, persons)</a:t>
-            </a:r>
-          </a:p>
-          <a:p>
-            <a:r>
-              <a:rPr lang="en-US" dirty="0" err="1"/>
-              <a:t>Sqlite</a:t>
-            </a:r>
-            <a:r>
-              <a:rPr lang="en-US" dirty="0"/>
-              <a:t> database</a:t>
             </a:r>
           </a:p>
           <a:p>
@@ -7650,15 +7640,33 @@
                                   </p:childTnLst>
                                 </p:cTn>
                               </p:par>
+                            </p:childTnLst>
+                          </p:cTn>
+                        </p:par>
+                      </p:childTnLst>
+                    </p:cTn>
+                  </p:par>
+                  <p:par>
+                    <p:cTn id="19" fill="hold">
+                      <p:stCondLst>
+                        <p:cond delay="indefinite"/>
+                      </p:stCondLst>
+                      <p:childTnLst>
+                        <p:par>
+                          <p:cTn id="20" fill="hold">
+                            <p:stCondLst>
+                              <p:cond delay="0"/>
+                            </p:stCondLst>
+                            <p:childTnLst>
                               <p:par>
-                                <p:cTn id="19" presetID="1" presetClass="entr" presetSubtype="0" fill="hold" nodeType="withEffect">
+                                <p:cTn id="21" presetID="1" presetClass="entr" presetSubtype="0" fill="hold" nodeType="clickEffect">
                                   <p:stCondLst>
                                     <p:cond delay="0"/>
                                   </p:stCondLst>
                                   <p:childTnLst>
                                     <p:set>
                                       <p:cBhvr>
-                                        <p:cTn id="20" dur="1" fill="hold">
+                                        <p:cTn id="22" dur="1" fill="hold">
                                           <p:stCondLst>
                                             <p:cond delay="0"/>
                                           </p:stCondLst>
@@ -7666,7 +7674,7 @@
                                         <p:tgtEl>
                                           <p:spTgt spid="5">
                                             <p:txEl>
-                                              <p:pRg st="7" end="7"/>
+                                              <p:pRg st="8" end="8"/>
                                             </p:txEl>
                                           </p:spTgt>
                                         </p:tgtEl>
@@ -7681,26 +7689,8 @@
                                   </p:childTnLst>
                                 </p:cTn>
                               </p:par>
-                            </p:childTnLst>
-                          </p:cTn>
-                        </p:par>
-                      </p:childTnLst>
-                    </p:cTn>
-                  </p:par>
-                  <p:par>
-                    <p:cTn id="21" fill="hold">
-                      <p:stCondLst>
-                        <p:cond delay="indefinite"/>
-                      </p:stCondLst>
-                      <p:childTnLst>
-                        <p:par>
-                          <p:cTn id="22" fill="hold">
-                            <p:stCondLst>
-                              <p:cond delay="0"/>
-                            </p:stCondLst>
-                            <p:childTnLst>
                               <p:par>
-                                <p:cTn id="23" presetID="1" presetClass="entr" presetSubtype="0" fill="hold" nodeType="clickEffect">
+                                <p:cTn id="23" presetID="1" presetClass="entr" presetSubtype="0" fill="hold" nodeType="withEffect">
                                   <p:stCondLst>
                                     <p:cond delay="0"/>
                                   </p:stCondLst>
@@ -7730,15 +7720,33 @@
                                   </p:childTnLst>
                                 </p:cTn>
                               </p:par>
+                            </p:childTnLst>
+                          </p:cTn>
+                        </p:par>
+                      </p:childTnLst>
+                    </p:cTn>
+                  </p:par>
+                  <p:par>
+                    <p:cTn id="25" fill="hold">
+                      <p:stCondLst>
+                        <p:cond delay="indefinite"/>
+                      </p:stCondLst>
+                      <p:childTnLst>
+                        <p:par>
+                          <p:cTn id="26" fill="hold">
+                            <p:stCondLst>
+                              <p:cond delay="0"/>
+                            </p:stCondLst>
+                            <p:childTnLst>
                               <p:par>
-                                <p:cTn id="25" presetID="1" presetClass="entr" presetSubtype="0" fill="hold" nodeType="withEffect">
+                                <p:cTn id="27" presetID="1" presetClass="entr" presetSubtype="0" fill="hold" nodeType="clickEffect">
                                   <p:stCondLst>
                                     <p:cond delay="0"/>
                                   </p:stCondLst>
                                   <p:childTnLst>
                                     <p:set>
                                       <p:cBhvr>
-                                        <p:cTn id="26" dur="1" fill="hold">
+                                        <p:cTn id="28" dur="1" fill="hold">
                                           <p:stCondLst>
                                             <p:cond delay="0"/>
                                           </p:stCondLst>
@@ -7747,55 +7755,6 @@
                                           <p:spTgt spid="5">
                                             <p:txEl>
                                               <p:pRg st="10" end="10"/>
-                                            </p:txEl>
-                                          </p:spTgt>
-                                        </p:tgtEl>
-                                        <p:attrNameLst>
-                                          <p:attrName>style.visibility</p:attrName>
-                                        </p:attrNameLst>
-                                      </p:cBhvr>
-                                      <p:to>
-                                        <p:strVal val="visible"/>
-                                      </p:to>
-                                    </p:set>
-                                  </p:childTnLst>
-                                </p:cTn>
-                              </p:par>
-                            </p:childTnLst>
-                          </p:cTn>
-                        </p:par>
-                      </p:childTnLst>
-                    </p:cTn>
-                  </p:par>
-                  <p:par>
-                    <p:cTn id="27" fill="hold">
-                      <p:stCondLst>
-                        <p:cond delay="indefinite"/>
-                      </p:stCondLst>
-                      <p:childTnLst>
-                        <p:par>
-                          <p:cTn id="28" fill="hold">
-                            <p:stCondLst>
-                              <p:cond delay="0"/>
-                            </p:stCondLst>
-                            <p:childTnLst>
-                              <p:par>
-                                <p:cTn id="29" presetID="1" presetClass="entr" presetSubtype="0" fill="hold" nodeType="clickEffect">
-                                  <p:stCondLst>
-                                    <p:cond delay="0"/>
-                                  </p:stCondLst>
-                                  <p:childTnLst>
-                                    <p:set>
-                                      <p:cBhvr>
-                                        <p:cTn id="30" dur="1" fill="hold">
-                                          <p:stCondLst>
-                                            <p:cond delay="0"/>
-                                          </p:stCondLst>
-                                        </p:cTn>
-                                        <p:tgtEl>
-                                          <p:spTgt spid="5">
-                                            <p:txEl>
-                                              <p:pRg st="11" end="11"/>
                                             </p:txEl>
                                           </p:spTgt>
                                         </p:tgtEl>
@@ -8514,6 +8473,16 @@
               <a:buFont typeface="Arial" panose="020B0604020202020204" pitchFamily="34" charset="0"/>
               <a:buChar char="•"/>
             </a:pPr>
+            <a:r>
+              <a:rPr lang="en-US" dirty="0"/>
+              <a:t>Toggle arrow left/right</a:t>
+            </a:r>
+          </a:p>
+          <a:p>
+            <a:pPr marL="342900" indent="-342900">
+              <a:buFont typeface="Arial" panose="020B0604020202020204" pitchFamily="34" charset="0"/>
+              <a:buChar char="•"/>
+            </a:pPr>
             <a:endParaRPr lang="en-US" dirty="0"/>
           </a:p>
         </p:txBody>
@@ -8614,6 +8583,55 @@
                                           <p:spTgt spid="5">
                                             <p:txEl>
                                               <p:pRg st="1" end="1"/>
+                                            </p:txEl>
+                                          </p:spTgt>
+                                        </p:tgtEl>
+                                        <p:attrNameLst>
+                                          <p:attrName>style.visibility</p:attrName>
+                                        </p:attrNameLst>
+                                      </p:cBhvr>
+                                      <p:to>
+                                        <p:strVal val="visible"/>
+                                      </p:to>
+                                    </p:set>
+                                  </p:childTnLst>
+                                </p:cTn>
+                              </p:par>
+                            </p:childTnLst>
+                          </p:cTn>
+                        </p:par>
+                      </p:childTnLst>
+                    </p:cTn>
+                  </p:par>
+                  <p:par>
+                    <p:cTn id="11" fill="hold">
+                      <p:stCondLst>
+                        <p:cond delay="indefinite"/>
+                      </p:stCondLst>
+                      <p:childTnLst>
+                        <p:par>
+                          <p:cTn id="12" fill="hold">
+                            <p:stCondLst>
+                              <p:cond delay="0"/>
+                            </p:stCondLst>
+                            <p:childTnLst>
+                              <p:par>
+                                <p:cTn id="13" presetID="1" presetClass="entr" presetSubtype="0" fill="hold" nodeType="clickEffect">
+                                  <p:stCondLst>
+                                    <p:cond delay="0"/>
+                                  </p:stCondLst>
+                                  <p:childTnLst>
+                                    <p:set>
+                                      <p:cBhvr>
+                                        <p:cTn id="14" dur="1" fill="hold">
+                                          <p:stCondLst>
+                                            <p:cond delay="0"/>
+                                          </p:stCondLst>
+                                        </p:cTn>
+                                        <p:tgtEl>
+                                          <p:spTgt spid="5">
+                                            <p:txEl>
+                                              <p:pRg st="2" end="2"/>
                                             </p:txEl>
                                           </p:spTgt>
                                         </p:tgtEl>
